--- a/Documents/Presentation3.pptx
+++ b/Documents/Presentation3.pptx
@@ -209,7 +209,7 @@
           <a:p>
             <a:fld id="{EBACBB57-5019-4C34-B895-9DAC8A1F72A5}" type="datetimeFigureOut">
               <a:rPr lang="fr-CH" smtClean="0"/>
-              <a:t>21.05.2020</a:t>
+              <a:t>22.05.2020</a:t>
             </a:fld>
             <a:endParaRPr lang="fr-CH"/>
           </a:p>
@@ -811,7 +811,7 @@
           <a:p>
             <a:fld id="{A1C5EC13-83CD-46FC-A749-A66713452AB8}" type="datetime1">
               <a:rPr lang="fr-CH" smtClean="0"/>
-              <a:t>21.05.2020</a:t>
+              <a:t>22.05.2020</a:t>
             </a:fld>
             <a:endParaRPr lang="fr-CH"/>
           </a:p>
@@ -998,7 +998,7 @@
           <a:p>
             <a:fld id="{7E456747-9D74-4D5C-A57B-216C1DCF555B}" type="datetime1">
               <a:rPr lang="fr-CH" smtClean="0"/>
-              <a:t>21.05.2020</a:t>
+              <a:t>22.05.2020</a:t>
             </a:fld>
             <a:endParaRPr lang="fr-CH"/>
           </a:p>
@@ -1178,7 +1178,7 @@
           <a:p>
             <a:fld id="{35AB7460-04F9-4582-9AE7-9E23C393B231}" type="datetime1">
               <a:rPr lang="fr-CH" smtClean="0"/>
-              <a:t>21.05.2020</a:t>
+              <a:t>22.05.2020</a:t>
             </a:fld>
             <a:endParaRPr lang="fr-CH"/>
           </a:p>
@@ -1363,7 +1363,7 @@
           <a:p>
             <a:fld id="{443BA57E-7B21-4F6F-82E1-FF01CD7ABA13}" type="datetime1">
               <a:rPr lang="fr-CH" smtClean="0"/>
-              <a:t>21.05.2020</a:t>
+              <a:t>22.05.2020</a:t>
             </a:fld>
             <a:endParaRPr lang="en-US" dirty="0"/>
           </a:p>
@@ -2181,7 +2181,7 @@
           <a:p>
             <a:fld id="{062309E3-34CC-4F3C-A1BD-713587317DF7}" type="datetime1">
               <a:rPr lang="fr-CH" smtClean="0"/>
-              <a:t>21.05.2020</a:t>
+              <a:t>22.05.2020</a:t>
             </a:fld>
             <a:endParaRPr lang="fr-CH"/>
           </a:p>
@@ -2363,7 +2363,7 @@
           <a:p>
             <a:fld id="{CA50544D-CD99-4DB3-9168-B3A8E20C09FE}" type="datetime1">
               <a:rPr lang="fr-CH" smtClean="0"/>
-              <a:t>21.05.2020</a:t>
+              <a:t>22.05.2020</a:t>
             </a:fld>
             <a:endParaRPr lang="fr-CH"/>
           </a:p>
@@ -2617,7 +2617,7 @@
           <a:p>
             <a:fld id="{0BA05AE5-1ED1-49B1-BD0C-362DD8300DA6}" type="datetime1">
               <a:rPr lang="fr-CH" smtClean="0"/>
-              <a:t>21.05.2020</a:t>
+              <a:t>22.05.2020</a:t>
             </a:fld>
             <a:endParaRPr lang="fr-CH"/>
           </a:p>
@@ -2856,7 +2856,7 @@
           <a:p>
             <a:fld id="{F321FB04-B1F8-410C-91A1-6F9F06ABF9AD}" type="datetime1">
               <a:rPr lang="fr-CH" smtClean="0"/>
-              <a:t>21.05.2020</a:t>
+              <a:t>22.05.2020</a:t>
             </a:fld>
             <a:endParaRPr lang="fr-CH"/>
           </a:p>
@@ -3230,7 +3230,7 @@
           <a:p>
             <a:fld id="{B78CB868-B46E-4481-9B17-F23B1E033C87}" type="datetime1">
               <a:rPr lang="fr-CH" smtClean="0"/>
-              <a:t>21.05.2020</a:t>
+              <a:t>22.05.2020</a:t>
             </a:fld>
             <a:endParaRPr lang="fr-CH"/>
           </a:p>
@@ -3353,7 +3353,7 @@
           <a:p>
             <a:fld id="{AED0E9EF-17A4-4D73-89B5-BE4B97634EE6}" type="datetime1">
               <a:rPr lang="fr-CH" smtClean="0"/>
-              <a:t>21.05.2020</a:t>
+              <a:t>22.05.2020</a:t>
             </a:fld>
             <a:endParaRPr lang="fr-CH"/>
           </a:p>
@@ -3448,7 +3448,7 @@
           <a:p>
             <a:fld id="{185805BF-25D7-407C-8F23-26F91DDF1D3E}" type="datetime1">
               <a:rPr lang="fr-CH" smtClean="0"/>
-              <a:t>21.05.2020</a:t>
+              <a:t>22.05.2020</a:t>
             </a:fld>
             <a:endParaRPr lang="fr-CH"/>
           </a:p>
@@ -3718,7 +3718,7 @@
           <a:p>
             <a:fld id="{159142C7-4527-4223-B0C3-EFB260406640}" type="datetime1">
               <a:rPr lang="fr-CH" smtClean="0"/>
-              <a:t>21.05.2020</a:t>
+              <a:t>22.05.2020</a:t>
             </a:fld>
             <a:endParaRPr lang="fr-CH"/>
           </a:p>
@@ -3990,7 +3990,7 @@
           <a:p>
             <a:fld id="{76BB6D0E-3881-4B3D-96CD-ECBF10879B6D}" type="datetime1">
               <a:rPr lang="fr-CH" smtClean="0"/>
-              <a:t>21.05.2020</a:t>
+              <a:t>22.05.2020</a:t>
             </a:fld>
             <a:endParaRPr lang="fr-CH"/>
           </a:p>
@@ -4295,7 +4295,7 @@
           <a:p>
             <a:fld id="{CE03783F-3525-484F-BB92-A97332512ECC}" type="datetime1">
               <a:rPr lang="fr-CH" smtClean="0"/>
-              <a:t>21.05.2020</a:t>
+              <a:t>22.05.2020</a:t>
             </a:fld>
             <a:endParaRPr lang="fr-CH"/>
           </a:p>
@@ -4504,7 +4504,7 @@
           <a:p>
             <a:fld id="{3DD17AEC-70AF-45C1-A4D8-B9682E9F5690}" type="datetime1">
               <a:rPr lang="fr-CH" smtClean="0"/>
-              <a:t>21.05.2020</a:t>
+              <a:t>22.05.2020</a:t>
             </a:fld>
             <a:endParaRPr lang="fr-CH"/>
           </a:p>
@@ -4818,7 +4818,7 @@
           <a:p>
             <a:fld id="{DD598F42-9E37-44B5-9404-FFDB7BFA3C58}" type="datetime1">
               <a:rPr lang="fr-CH" smtClean="0"/>
-              <a:t>21.05.2020</a:t>
+              <a:t>22.05.2020</a:t>
             </a:fld>
             <a:endParaRPr lang="fr-CH"/>
           </a:p>
@@ -5151,7 +5151,7 @@
           <a:p>
             <a:fld id="{D80A43B4-503F-48B3-9D69-A1E033EB31DC}" type="datetime1">
               <a:rPr lang="fr-CH" smtClean="0"/>
-              <a:t>21.05.2020</a:t>
+              <a:t>22.05.2020</a:t>
             </a:fld>
             <a:endParaRPr lang="fr-CH"/>
           </a:p>
@@ -5465,7 +5465,7 @@
           <a:p>
             <a:fld id="{C63570D4-DC05-4346-960C-EE641E3F13E6}" type="datetime1">
               <a:rPr lang="fr-CH" smtClean="0"/>
-              <a:t>21.05.2020</a:t>
+              <a:t>22.05.2020</a:t>
             </a:fld>
             <a:endParaRPr lang="fr-CH"/>
           </a:p>
@@ -5858,7 +5858,7 @@
           <a:p>
             <a:fld id="{6DAD8BB9-B4F7-4387-B4ED-AABAD1F880A7}" type="datetime1">
               <a:rPr lang="fr-CH" smtClean="0"/>
-              <a:t>21.05.2020</a:t>
+              <a:t>22.05.2020</a:t>
             </a:fld>
             <a:endParaRPr lang="fr-CH"/>
           </a:p>
@@ -6028,7 +6028,7 @@
           <a:p>
             <a:fld id="{5AECCC42-73C7-497A-91BC-5B46DEBB8AEF}" type="datetime1">
               <a:rPr lang="fr-CH" smtClean="0"/>
-              <a:t>21.05.2020</a:t>
+              <a:t>22.05.2020</a:t>
             </a:fld>
             <a:endParaRPr lang="fr-CH"/>
           </a:p>
@@ -6208,7 +6208,7 @@
           <a:p>
             <a:fld id="{24A8B8C1-AC7C-4439-ABE1-977A3F495DB0}" type="datetime1">
               <a:rPr lang="fr-CH" smtClean="0"/>
-              <a:t>21.05.2020</a:t>
+              <a:t>22.05.2020</a:t>
             </a:fld>
             <a:endParaRPr lang="fr-CH"/>
           </a:p>
@@ -6454,7 +6454,7 @@
           <a:p>
             <a:fld id="{8A489873-EBA8-4E74-A188-36791492334D}" type="datetime1">
               <a:rPr lang="fr-CH" smtClean="0"/>
-              <a:t>21.05.2020</a:t>
+              <a:t>22.05.2020</a:t>
             </a:fld>
             <a:endParaRPr lang="fr-CH"/>
           </a:p>
@@ -6693,7 +6693,7 @@
           <a:p>
             <a:fld id="{2716B30A-CC25-498D-A978-F9C8FA3447EC}" type="datetime1">
               <a:rPr lang="fr-CH" smtClean="0"/>
-              <a:t>21.05.2020</a:t>
+              <a:t>22.05.2020</a:t>
             </a:fld>
             <a:endParaRPr lang="fr-CH"/>
           </a:p>
@@ -7067,7 +7067,7 @@
           <a:p>
             <a:fld id="{86F0612F-4B27-4C50-9FEF-D899F02BE98F}" type="datetime1">
               <a:rPr lang="fr-CH" smtClean="0"/>
-              <a:t>21.05.2020</a:t>
+              <a:t>22.05.2020</a:t>
             </a:fld>
             <a:endParaRPr lang="fr-CH"/>
           </a:p>
@@ -7192,7 +7192,7 @@
           <a:p>
             <a:fld id="{1F3DD3EA-FE5E-4B40-AAF2-7BDC6B236448}" type="datetime1">
               <a:rPr lang="fr-CH" smtClean="0"/>
-              <a:t>21.05.2020</a:t>
+              <a:t>22.05.2020</a:t>
             </a:fld>
             <a:endParaRPr lang="fr-CH"/>
           </a:p>
@@ -7287,7 +7287,7 @@
           <a:p>
             <a:fld id="{DFCE601C-520E-4D95-87EA-C15A6C947E77}" type="datetime1">
               <a:rPr lang="fr-CH" smtClean="0"/>
-              <a:t>21.05.2020</a:t>
+              <a:t>22.05.2020</a:t>
             </a:fld>
             <a:endParaRPr lang="fr-CH"/>
           </a:p>
@@ -7564,7 +7564,7 @@
           <a:p>
             <a:fld id="{7CDD90FB-8902-44F1-AFF3-670F9F6ABDF8}" type="datetime1">
               <a:rPr lang="fr-CH" smtClean="0"/>
-              <a:t>21.05.2020</a:t>
+              <a:t>22.05.2020</a:t>
             </a:fld>
             <a:endParaRPr lang="fr-CH"/>
           </a:p>
@@ -7817,7 +7817,7 @@
           <a:p>
             <a:fld id="{6A97B839-6A40-4321-AA7D-D18AFAC76C0E}" type="datetime1">
               <a:rPr lang="fr-CH" smtClean="0"/>
-              <a:t>21.05.2020</a:t>
+              <a:t>22.05.2020</a:t>
             </a:fld>
             <a:endParaRPr lang="fr-CH"/>
           </a:p>
@@ -8030,7 +8030,7 @@
           <a:p>
             <a:fld id="{36C5D13F-9125-4315-B7A7-EB82236C947E}" type="datetime1">
               <a:rPr lang="fr-CH" smtClean="0"/>
-              <a:t>21.05.2020</a:t>
+              <a:t>22.05.2020</a:t>
             </a:fld>
             <a:endParaRPr lang="fr-CH"/>
           </a:p>
@@ -9111,7 +9111,7 @@
           <a:p>
             <a:fld id="{35BA6938-53D0-4653-82AB-3885BCA89A92}" type="datetime1">
               <a:rPr lang="fr-CH" smtClean="0"/>
-              <a:t>21.05.2020</a:t>
+              <a:t>22.05.2020</a:t>
             </a:fld>
             <a:endParaRPr lang="fr-CH"/>
           </a:p>
@@ -10743,9 +10743,6 @@
               </a:rPr>
               <a:t>x2</a:t>
             </a:r>
-            <a:endParaRPr lang="fr-CH" sz="2800" b="1" dirty="0">
-              <a:latin typeface="Arial Rounded MT Bold" panose="020F0704030504030204" pitchFamily="34" charset="0"/>
-            </a:endParaRPr>
           </a:p>
         </p:txBody>
       </p:sp>
@@ -11093,7 +11090,6 @@
               <a:rPr lang="fr-CH" dirty="0" smtClean="0"/>
               <a:t>Adapter la difficulté dynamiquement</a:t>
             </a:r>
-            <a:endParaRPr lang="fr-CH" dirty="0" smtClean="0"/>
           </a:p>
         </p:txBody>
       </p:sp>
@@ -11169,8 +11165,8 @@
         </p:nvSpPr>
         <p:spPr>
           <a:xfrm>
-            <a:off x="677334" y="2289825"/>
-            <a:ext cx="8596668" cy="4179905"/>
+            <a:off x="677333" y="2289825"/>
+            <a:ext cx="8705563" cy="4179905"/>
           </a:xfrm>
         </p:spPr>
         <p:txBody>
@@ -11181,7 +11177,33 @@
           <a:p>
             <a:r>
               <a:rPr lang="fr-CH" sz="1600" dirty="0" smtClean="0"/>
-              <a:t>Avec tous les stratagèmes mis en place, on peut garder le joueur engagé dans la partie</a:t>
+              <a:t>Est-ce que le mode avec hexagones permet d’augmenter le niveau de stresse du joueur</a:t>
+            </a:r>
+          </a:p>
+          <a:p>
+            <a:r>
+              <a:rPr lang="fr-CH" sz="1600" dirty="0" smtClean="0"/>
+              <a:t>Est-ce que la musique qui s’accélère permet d’augmenter le stresse du joueur</a:t>
+            </a:r>
+          </a:p>
+          <a:p>
+            <a:r>
+              <a:rPr lang="fr-CH" sz="1600" dirty="0" smtClean="0"/>
+              <a:t>Est-ce que le background qui change de couleur permet d’augmenter le stresse du joueur</a:t>
+            </a:r>
+          </a:p>
+          <a:p>
+            <a:r>
+              <a:rPr lang="fr-CH" sz="1600" dirty="0" smtClean="0"/>
+              <a:t>Est-ce que le </a:t>
+            </a:r>
+            <a:r>
+              <a:rPr lang="fr-CH" sz="1600" dirty="0" err="1" smtClean="0"/>
+              <a:t>bullet</a:t>
+            </a:r>
+            <a:r>
+              <a:rPr lang="fr-CH" sz="1600" dirty="0" smtClean="0"/>
+              <a:t> time permet de calmer le joueur</a:t>
             </a:r>
             <a:endParaRPr lang="fr-CH" sz="1600" dirty="0"/>
           </a:p>

--- a/Documents/Presentation3.pptx
+++ b/Documents/Presentation3.pptx
@@ -209,7 +209,7 @@
           <a:p>
             <a:fld id="{EBACBB57-5019-4C34-B895-9DAC8A1F72A5}" type="datetimeFigureOut">
               <a:rPr lang="fr-CH" smtClean="0"/>
-              <a:t>21.05.2020</a:t>
+              <a:t>22.05.2020</a:t>
             </a:fld>
             <a:endParaRPr lang="fr-CH"/>
           </a:p>
@@ -273,35 +273,35 @@
           <a:p>
             <a:pPr lvl="0"/>
             <a:r>
-              <a:rPr lang="fr-FR" smtClean="0"/>
+              <a:rPr lang="fr-FR"/>
               <a:t>Modifiez les styles du texte du masque</a:t>
             </a:r>
           </a:p>
           <a:p>
             <a:pPr lvl="1"/>
             <a:r>
-              <a:rPr lang="fr-FR" smtClean="0"/>
+              <a:rPr lang="fr-FR"/>
               <a:t>Deuxième niveau</a:t>
             </a:r>
           </a:p>
           <a:p>
             <a:pPr lvl="2"/>
             <a:r>
-              <a:rPr lang="fr-FR" smtClean="0"/>
+              <a:rPr lang="fr-FR"/>
               <a:t>Troisième niveau</a:t>
             </a:r>
           </a:p>
           <a:p>
             <a:pPr lvl="3"/>
             <a:r>
-              <a:rPr lang="fr-FR" smtClean="0"/>
+              <a:rPr lang="fr-FR"/>
               <a:t>Quatrième niveau</a:t>
             </a:r>
           </a:p>
           <a:p>
             <a:pPr lvl="4"/>
             <a:r>
-              <a:rPr lang="fr-FR" smtClean="0"/>
+              <a:rPr lang="fr-FR"/>
               <a:t>Cinquième niveau</a:t>
             </a:r>
             <a:endParaRPr lang="fr-CH"/>
@@ -662,7 +662,7 @@
           </a:lstStyle>
           <a:p>
             <a:r>
-              <a:rPr lang="fr-FR" dirty="0" smtClean="0"/>
+              <a:rPr lang="fr-FR" dirty="0"/>
               <a:t>Modifiez le style du titre</a:t>
             </a:r>
             <a:endParaRPr lang="en-US" dirty="0"/>
@@ -782,7 +782,7 @@
           </a:lstStyle>
           <a:p>
             <a:r>
-              <a:rPr lang="fr-FR" dirty="0" smtClean="0"/>
+              <a:rPr lang="fr-FR" dirty="0"/>
               <a:t>Modifiez le style des sous-titres du masque</a:t>
             </a:r>
             <a:endParaRPr lang="en-US" dirty="0"/>
@@ -811,7 +811,7 @@
           <a:p>
             <a:fld id="{A1C5EC13-83CD-46FC-A749-A66713452AB8}" type="datetime1">
               <a:rPr lang="fr-CH" smtClean="0"/>
-              <a:t>21.05.2020</a:t>
+              <a:t>22.05.2020</a:t>
             </a:fld>
             <a:endParaRPr lang="fr-CH"/>
           </a:p>
@@ -879,13 +879,6 @@
   <p:clrMapOvr>
     <a:masterClrMapping/>
   </p:clrMapOvr>
-  <p:timing>
-    <p:tnLst>
-      <p:par>
-        <p:cTn id="1" dur="indefinite" restart="never" nodeType="tmRoot"/>
-      </p:par>
-    </p:tnLst>
-  </p:timing>
 </p:sldLayout>
 </file>
 
@@ -922,7 +915,7 @@
           <a:lstStyle/>
           <a:p>
             <a:r>
-              <a:rPr lang="fr-FR" smtClean="0"/>
+              <a:rPr lang="fr-FR"/>
               <a:t>Modifiez le style du titre</a:t>
             </a:r>
             <a:endParaRPr lang="fr-CH"/>
@@ -946,35 +939,35 @@
           <a:p>
             <a:pPr lvl="0"/>
             <a:r>
-              <a:rPr lang="fr-FR" smtClean="0"/>
+              <a:rPr lang="fr-FR"/>
               <a:t>Modifiez les styles du texte du masque</a:t>
             </a:r>
           </a:p>
           <a:p>
             <a:pPr lvl="1"/>
             <a:r>
-              <a:rPr lang="fr-FR" smtClean="0"/>
+              <a:rPr lang="fr-FR"/>
               <a:t>Deuxième niveau</a:t>
             </a:r>
           </a:p>
           <a:p>
             <a:pPr lvl="2"/>
             <a:r>
-              <a:rPr lang="fr-FR" smtClean="0"/>
+              <a:rPr lang="fr-FR"/>
               <a:t>Troisième niveau</a:t>
             </a:r>
           </a:p>
           <a:p>
             <a:pPr lvl="3"/>
             <a:r>
-              <a:rPr lang="fr-FR" smtClean="0"/>
+              <a:rPr lang="fr-FR"/>
               <a:t>Quatrième niveau</a:t>
             </a:r>
           </a:p>
           <a:p>
             <a:pPr lvl="4"/>
             <a:r>
-              <a:rPr lang="fr-FR" smtClean="0"/>
+              <a:rPr lang="fr-FR"/>
               <a:t>Cinquième niveau</a:t>
             </a:r>
             <a:endParaRPr lang="fr-CH"/>
@@ -998,7 +991,7 @@
           <a:p>
             <a:fld id="{7E456747-9D74-4D5C-A57B-216C1DCF555B}" type="datetime1">
               <a:rPr lang="fr-CH" smtClean="0"/>
-              <a:t>21.05.2020</a:t>
+              <a:t>22.05.2020</a:t>
             </a:fld>
             <a:endParaRPr lang="fr-CH"/>
           </a:p>
@@ -1097,7 +1090,7 @@
           <a:lstStyle/>
           <a:p>
             <a:r>
-              <a:rPr lang="fr-FR" smtClean="0"/>
+              <a:rPr lang="fr-FR"/>
               <a:t>Modifiez le style du titre</a:t>
             </a:r>
             <a:endParaRPr lang="fr-CH"/>
@@ -1126,35 +1119,35 @@
           <a:p>
             <a:pPr lvl="0"/>
             <a:r>
-              <a:rPr lang="fr-FR" smtClean="0"/>
+              <a:rPr lang="fr-FR"/>
               <a:t>Modifiez les styles du texte du masque</a:t>
             </a:r>
           </a:p>
           <a:p>
             <a:pPr lvl="1"/>
             <a:r>
-              <a:rPr lang="fr-FR" smtClean="0"/>
+              <a:rPr lang="fr-FR"/>
               <a:t>Deuxième niveau</a:t>
             </a:r>
           </a:p>
           <a:p>
             <a:pPr lvl="2"/>
             <a:r>
-              <a:rPr lang="fr-FR" smtClean="0"/>
+              <a:rPr lang="fr-FR"/>
               <a:t>Troisième niveau</a:t>
             </a:r>
           </a:p>
           <a:p>
             <a:pPr lvl="3"/>
             <a:r>
-              <a:rPr lang="fr-FR" smtClean="0"/>
+              <a:rPr lang="fr-FR"/>
               <a:t>Quatrième niveau</a:t>
             </a:r>
           </a:p>
           <a:p>
             <a:pPr lvl="4"/>
             <a:r>
-              <a:rPr lang="fr-FR" smtClean="0"/>
+              <a:rPr lang="fr-FR"/>
               <a:t>Cinquième niveau</a:t>
             </a:r>
             <a:endParaRPr lang="fr-CH"/>
@@ -1178,7 +1171,7 @@
           <a:p>
             <a:fld id="{35AB7460-04F9-4582-9AE7-9E23C393B231}" type="datetime1">
               <a:rPr lang="fr-CH" smtClean="0"/>
-              <a:t>21.05.2020</a:t>
+              <a:t>22.05.2020</a:t>
             </a:fld>
             <a:endParaRPr lang="fr-CH"/>
           </a:p>
@@ -1277,7 +1270,7 @@
           <a:lstStyle/>
           <a:p>
             <a:r>
-              <a:rPr lang="fr-FR" smtClean="0"/>
+              <a:rPr lang="fr-FR"/>
               <a:t>Modifiez le style du titre</a:t>
             </a:r>
             <a:endParaRPr lang="en-US" dirty="0"/>
@@ -1306,35 +1299,35 @@
           <a:p>
             <a:pPr lvl="0"/>
             <a:r>
-              <a:rPr lang="fr-FR" smtClean="0"/>
+              <a:rPr lang="fr-FR"/>
               <a:t>Modifiez les styles du texte du masque</a:t>
             </a:r>
           </a:p>
           <a:p>
             <a:pPr lvl="1"/>
             <a:r>
-              <a:rPr lang="fr-FR" smtClean="0"/>
+              <a:rPr lang="fr-FR"/>
               <a:t>Deuxième niveau</a:t>
             </a:r>
           </a:p>
           <a:p>
             <a:pPr lvl="2"/>
             <a:r>
-              <a:rPr lang="fr-FR" smtClean="0"/>
+              <a:rPr lang="fr-FR"/>
               <a:t>Troisième niveau</a:t>
             </a:r>
           </a:p>
           <a:p>
             <a:pPr lvl="3"/>
             <a:r>
-              <a:rPr lang="fr-FR" smtClean="0"/>
+              <a:rPr lang="fr-FR"/>
               <a:t>Quatrième niveau</a:t>
             </a:r>
           </a:p>
           <a:p>
             <a:pPr lvl="4"/>
             <a:r>
-              <a:rPr lang="fr-FR" smtClean="0"/>
+              <a:rPr lang="fr-FR"/>
               <a:t>Cinquième niveau</a:t>
             </a:r>
             <a:endParaRPr lang="en-US" dirty="0"/>
@@ -1363,7 +1356,7 @@
           <a:p>
             <a:fld id="{443BA57E-7B21-4F6F-82E1-FF01CD7ABA13}" type="datetime1">
               <a:rPr lang="fr-CH" smtClean="0"/>
-              <a:t>21.05.2020</a:t>
+              <a:t>22.05.2020</a:t>
             </a:fld>
             <a:endParaRPr lang="en-US" dirty="0"/>
           </a:p>
@@ -1426,13 +1419,6 @@
   <p:clrMapOvr>
     <a:masterClrMapping/>
   </p:clrMapOvr>
-  <p:timing>
-    <p:tnLst>
-      <p:par>
-        <p:cTn id="1" dur="indefinite" restart="never" nodeType="tmRoot"/>
-      </p:par>
-    </p:tnLst>
-  </p:timing>
 </p:sldLayout>
 </file>
 
@@ -2037,7 +2023,7 @@
           </a:lstStyle>
           <a:p>
             <a:r>
-              <a:rPr lang="fr-FR" smtClean="0"/>
+              <a:rPr lang="fr-FR"/>
               <a:t>Modifiez le style du titre</a:t>
             </a:r>
             <a:endParaRPr lang="en-US" dirty="0"/>
@@ -2157,7 +2143,7 @@
           </a:lstStyle>
           <a:p>
             <a:r>
-              <a:rPr lang="fr-FR" smtClean="0"/>
+              <a:rPr lang="fr-FR"/>
               <a:t>Modifiez le style des sous-titres du masque</a:t>
             </a:r>
             <a:endParaRPr lang="en-US" dirty="0"/>
@@ -2181,7 +2167,7 @@
           <a:p>
             <a:fld id="{062309E3-34CC-4F3C-A1BD-713587317DF7}" type="datetime1">
               <a:rPr lang="fr-CH" smtClean="0"/>
-              <a:t>21.05.2020</a:t>
+              <a:t>22.05.2020</a:t>
             </a:fld>
             <a:endParaRPr lang="fr-CH"/>
           </a:p>
@@ -2244,13 +2230,6 @@
   <p:clrMapOvr>
     <a:masterClrMapping/>
   </p:clrMapOvr>
-  <p:timing>
-    <p:tnLst>
-      <p:par>
-        <p:cTn id="1" dur="indefinite" restart="never" nodeType="tmRoot"/>
-      </p:par>
-    </p:tnLst>
-  </p:timing>
 </p:sldLayout>
 </file>
 
@@ -2287,7 +2266,7 @@
           <a:lstStyle/>
           <a:p>
             <a:r>
-              <a:rPr lang="fr-FR" smtClean="0"/>
+              <a:rPr lang="fr-FR"/>
               <a:t>Modifiez le style du titre</a:t>
             </a:r>
             <a:endParaRPr lang="en-US" dirty="0"/>
@@ -2311,35 +2290,35 @@
           <a:p>
             <a:pPr lvl="0"/>
             <a:r>
-              <a:rPr lang="fr-FR" smtClean="0"/>
+              <a:rPr lang="fr-FR"/>
               <a:t>Modifiez les styles du texte du masque</a:t>
             </a:r>
           </a:p>
           <a:p>
             <a:pPr lvl="1"/>
             <a:r>
-              <a:rPr lang="fr-FR" smtClean="0"/>
+              <a:rPr lang="fr-FR"/>
               <a:t>Deuxième niveau</a:t>
             </a:r>
           </a:p>
           <a:p>
             <a:pPr lvl="2"/>
             <a:r>
-              <a:rPr lang="fr-FR" smtClean="0"/>
+              <a:rPr lang="fr-FR"/>
               <a:t>Troisième niveau</a:t>
             </a:r>
           </a:p>
           <a:p>
             <a:pPr lvl="3"/>
             <a:r>
-              <a:rPr lang="fr-FR" smtClean="0"/>
+              <a:rPr lang="fr-FR"/>
               <a:t>Quatrième niveau</a:t>
             </a:r>
           </a:p>
           <a:p>
             <a:pPr lvl="4"/>
             <a:r>
-              <a:rPr lang="fr-FR" smtClean="0"/>
+              <a:rPr lang="fr-FR"/>
               <a:t>Cinquième niveau</a:t>
             </a:r>
             <a:endParaRPr lang="en-US" dirty="0"/>
@@ -2363,7 +2342,7 @@
           <a:p>
             <a:fld id="{CA50544D-CD99-4DB3-9168-B3A8E20C09FE}" type="datetime1">
               <a:rPr lang="fr-CH" smtClean="0"/>
-              <a:t>21.05.2020</a:t>
+              <a:t>22.05.2020</a:t>
             </a:fld>
             <a:endParaRPr lang="fr-CH"/>
           </a:p>
@@ -2421,13 +2400,6 @@
   <p:clrMapOvr>
     <a:masterClrMapping/>
   </p:clrMapOvr>
-  <p:timing>
-    <p:tnLst>
-      <p:par>
-        <p:cTn id="1" dur="indefinite" restart="never" nodeType="tmRoot"/>
-      </p:par>
-    </p:tnLst>
-  </p:timing>
 </p:sldLayout>
 </file>
 
@@ -2473,7 +2445,7 @@
           </a:lstStyle>
           <a:p>
             <a:r>
-              <a:rPr lang="fr-FR" smtClean="0"/>
+              <a:rPr lang="fr-FR"/>
               <a:t>Modifiez le style du titre</a:t>
             </a:r>
             <a:endParaRPr lang="en-US" dirty="0"/>
@@ -2594,7 +2566,7 @@
           <a:p>
             <a:pPr lvl="0"/>
             <a:r>
-              <a:rPr lang="fr-FR" smtClean="0"/>
+              <a:rPr lang="fr-FR"/>
               <a:t>Modifiez les styles du texte du masque</a:t>
             </a:r>
           </a:p>
@@ -2617,7 +2589,7 @@
           <a:p>
             <a:fld id="{0BA05AE5-1ED1-49B1-BD0C-362DD8300DA6}" type="datetime1">
               <a:rPr lang="fr-CH" smtClean="0"/>
-              <a:t>21.05.2020</a:t>
+              <a:t>22.05.2020</a:t>
             </a:fld>
             <a:endParaRPr lang="fr-CH"/>
           </a:p>
@@ -2675,13 +2647,6 @@
   <p:clrMapOvr>
     <a:masterClrMapping/>
   </p:clrMapOvr>
-  <p:timing>
-    <p:tnLst>
-      <p:par>
-        <p:cTn id="1" dur="indefinite" restart="never" nodeType="tmRoot"/>
-      </p:par>
-    </p:tnLst>
-  </p:timing>
 </p:sldLayout>
 </file>
 
@@ -2718,7 +2683,7 @@
           <a:lstStyle/>
           <a:p>
             <a:r>
-              <a:rPr lang="fr-FR" smtClean="0"/>
+              <a:rPr lang="fr-FR"/>
               <a:t>Modifiez le style du titre</a:t>
             </a:r>
             <a:endParaRPr lang="en-US" dirty="0"/>
@@ -2747,35 +2712,35 @@
           <a:p>
             <a:pPr lvl="0"/>
             <a:r>
-              <a:rPr lang="fr-FR" smtClean="0"/>
+              <a:rPr lang="fr-FR"/>
               <a:t>Modifiez les styles du texte du masque</a:t>
             </a:r>
           </a:p>
           <a:p>
             <a:pPr lvl="1"/>
             <a:r>
-              <a:rPr lang="fr-FR" smtClean="0"/>
+              <a:rPr lang="fr-FR"/>
               <a:t>Deuxième niveau</a:t>
             </a:r>
           </a:p>
           <a:p>
             <a:pPr lvl="2"/>
             <a:r>
-              <a:rPr lang="fr-FR" smtClean="0"/>
+              <a:rPr lang="fr-FR"/>
               <a:t>Troisième niveau</a:t>
             </a:r>
           </a:p>
           <a:p>
             <a:pPr lvl="3"/>
             <a:r>
-              <a:rPr lang="fr-FR" smtClean="0"/>
+              <a:rPr lang="fr-FR"/>
               <a:t>Quatrième niveau</a:t>
             </a:r>
           </a:p>
           <a:p>
             <a:pPr lvl="4"/>
             <a:r>
-              <a:rPr lang="fr-FR" smtClean="0"/>
+              <a:rPr lang="fr-FR"/>
               <a:t>Cinquième niveau</a:t>
             </a:r>
             <a:endParaRPr lang="en-US" dirty="0"/>
@@ -2804,35 +2769,35 @@
           <a:p>
             <a:pPr lvl="0"/>
             <a:r>
-              <a:rPr lang="fr-FR" smtClean="0"/>
+              <a:rPr lang="fr-FR"/>
               <a:t>Modifiez les styles du texte du masque</a:t>
             </a:r>
           </a:p>
           <a:p>
             <a:pPr lvl="1"/>
             <a:r>
-              <a:rPr lang="fr-FR" smtClean="0"/>
+              <a:rPr lang="fr-FR"/>
               <a:t>Deuxième niveau</a:t>
             </a:r>
           </a:p>
           <a:p>
             <a:pPr lvl="2"/>
             <a:r>
-              <a:rPr lang="fr-FR" smtClean="0"/>
+              <a:rPr lang="fr-FR"/>
               <a:t>Troisième niveau</a:t>
             </a:r>
           </a:p>
           <a:p>
             <a:pPr lvl="3"/>
             <a:r>
-              <a:rPr lang="fr-FR" smtClean="0"/>
+              <a:rPr lang="fr-FR"/>
               <a:t>Quatrième niveau</a:t>
             </a:r>
           </a:p>
           <a:p>
             <a:pPr lvl="4"/>
             <a:r>
-              <a:rPr lang="fr-FR" smtClean="0"/>
+              <a:rPr lang="fr-FR"/>
               <a:t>Cinquième niveau</a:t>
             </a:r>
             <a:endParaRPr lang="en-US" dirty="0"/>
@@ -2856,7 +2821,7 @@
           <a:p>
             <a:fld id="{F321FB04-B1F8-410C-91A1-6F9F06ABF9AD}" type="datetime1">
               <a:rPr lang="fr-CH" smtClean="0"/>
-              <a:t>21.05.2020</a:t>
+              <a:t>22.05.2020</a:t>
             </a:fld>
             <a:endParaRPr lang="fr-CH"/>
           </a:p>
@@ -2954,7 +2919,7 @@
           </a:lstStyle>
           <a:p>
             <a:r>
-              <a:rPr lang="fr-FR" smtClean="0"/>
+              <a:rPr lang="fr-FR"/>
               <a:t>Modifiez le style du titre</a:t>
             </a:r>
             <a:endParaRPr lang="en-US" dirty="0"/>
@@ -3022,7 +2987,7 @@
           <a:p>
             <a:pPr lvl="0"/>
             <a:r>
-              <a:rPr lang="fr-FR" smtClean="0"/>
+              <a:rPr lang="fr-FR"/>
               <a:t>Modifiez les styles du texte du masque</a:t>
             </a:r>
           </a:p>
@@ -3052,35 +3017,35 @@
           <a:p>
             <a:pPr lvl="0"/>
             <a:r>
-              <a:rPr lang="fr-FR" smtClean="0"/>
+              <a:rPr lang="fr-FR"/>
               <a:t>Modifiez les styles du texte du masque</a:t>
             </a:r>
           </a:p>
           <a:p>
             <a:pPr lvl="1"/>
             <a:r>
-              <a:rPr lang="fr-FR" smtClean="0"/>
+              <a:rPr lang="fr-FR"/>
               <a:t>Deuxième niveau</a:t>
             </a:r>
           </a:p>
           <a:p>
             <a:pPr lvl="2"/>
             <a:r>
-              <a:rPr lang="fr-FR" smtClean="0"/>
+              <a:rPr lang="fr-FR"/>
               <a:t>Troisième niveau</a:t>
             </a:r>
           </a:p>
           <a:p>
             <a:pPr lvl="3"/>
             <a:r>
-              <a:rPr lang="fr-FR" smtClean="0"/>
+              <a:rPr lang="fr-FR"/>
               <a:t>Quatrième niveau</a:t>
             </a:r>
           </a:p>
           <a:p>
             <a:pPr lvl="4"/>
             <a:r>
-              <a:rPr lang="fr-FR" smtClean="0"/>
+              <a:rPr lang="fr-FR"/>
               <a:t>Cinquième niveau</a:t>
             </a:r>
             <a:endParaRPr lang="en-US" dirty="0"/>
@@ -3148,7 +3113,7 @@
           <a:p>
             <a:pPr lvl="0"/>
             <a:r>
-              <a:rPr lang="fr-FR" smtClean="0"/>
+              <a:rPr lang="fr-FR"/>
               <a:t>Modifiez les styles du texte du masque</a:t>
             </a:r>
           </a:p>
@@ -3178,35 +3143,35 @@
           <a:p>
             <a:pPr lvl="0"/>
             <a:r>
-              <a:rPr lang="fr-FR" smtClean="0"/>
+              <a:rPr lang="fr-FR"/>
               <a:t>Modifiez les styles du texte du masque</a:t>
             </a:r>
           </a:p>
           <a:p>
             <a:pPr lvl="1"/>
             <a:r>
-              <a:rPr lang="fr-FR" smtClean="0"/>
+              <a:rPr lang="fr-FR"/>
               <a:t>Deuxième niveau</a:t>
             </a:r>
           </a:p>
           <a:p>
             <a:pPr lvl="2"/>
             <a:r>
-              <a:rPr lang="fr-FR" smtClean="0"/>
+              <a:rPr lang="fr-FR"/>
               <a:t>Troisième niveau</a:t>
             </a:r>
           </a:p>
           <a:p>
             <a:pPr lvl="3"/>
             <a:r>
-              <a:rPr lang="fr-FR" smtClean="0"/>
+              <a:rPr lang="fr-FR"/>
               <a:t>Quatrième niveau</a:t>
             </a:r>
           </a:p>
           <a:p>
             <a:pPr lvl="4"/>
             <a:r>
-              <a:rPr lang="fr-FR" smtClean="0"/>
+              <a:rPr lang="fr-FR"/>
               <a:t>Cinquième niveau</a:t>
             </a:r>
             <a:endParaRPr lang="en-US" dirty="0"/>
@@ -3230,7 +3195,7 @@
           <a:p>
             <a:fld id="{B78CB868-B46E-4481-9B17-F23B1E033C87}" type="datetime1">
               <a:rPr lang="fr-CH" smtClean="0"/>
-              <a:t>21.05.2020</a:t>
+              <a:t>22.05.2020</a:t>
             </a:fld>
             <a:endParaRPr lang="fr-CH"/>
           </a:p>
@@ -3329,7 +3294,7 @@
           <a:lstStyle/>
           <a:p>
             <a:r>
-              <a:rPr lang="fr-FR" smtClean="0"/>
+              <a:rPr lang="fr-FR"/>
               <a:t>Modifiez le style du titre</a:t>
             </a:r>
             <a:endParaRPr lang="en-US" dirty="0"/>
@@ -3353,7 +3318,7 @@
           <a:p>
             <a:fld id="{AED0E9EF-17A4-4D73-89B5-BE4B97634EE6}" type="datetime1">
               <a:rPr lang="fr-CH" smtClean="0"/>
-              <a:t>21.05.2020</a:t>
+              <a:t>22.05.2020</a:t>
             </a:fld>
             <a:endParaRPr lang="fr-CH"/>
           </a:p>
@@ -3448,7 +3413,7 @@
           <a:p>
             <a:fld id="{185805BF-25D7-407C-8F23-26F91DDF1D3E}" type="datetime1">
               <a:rPr lang="fr-CH" smtClean="0"/>
-              <a:t>21.05.2020</a:t>
+              <a:t>22.05.2020</a:t>
             </a:fld>
             <a:endParaRPr lang="fr-CH"/>
           </a:p>
@@ -3606,7 +3571,7 @@
           </a:lstStyle>
           <a:p>
             <a:r>
-              <a:rPr lang="fr-FR" dirty="0" smtClean="0"/>
+              <a:rPr lang="fr-FR" dirty="0"/>
               <a:t>Modifiez le style du titre</a:t>
             </a:r>
             <a:endParaRPr lang="en-US" dirty="0"/>
@@ -3661,35 +3626,35 @@
           <a:p>
             <a:pPr lvl="0"/>
             <a:r>
-              <a:rPr lang="fr-FR" dirty="0" smtClean="0"/>
+              <a:rPr lang="fr-FR" dirty="0"/>
               <a:t>Modifiez les styles du texte du masque</a:t>
             </a:r>
           </a:p>
           <a:p>
             <a:pPr lvl="1"/>
             <a:r>
-              <a:rPr lang="fr-FR" dirty="0" smtClean="0"/>
+              <a:rPr lang="fr-FR" dirty="0"/>
               <a:t>Deuxième niveau</a:t>
             </a:r>
           </a:p>
           <a:p>
             <a:pPr lvl="2"/>
             <a:r>
-              <a:rPr lang="fr-FR" dirty="0" smtClean="0"/>
+              <a:rPr lang="fr-FR" dirty="0"/>
               <a:t>Troisième niveau</a:t>
             </a:r>
           </a:p>
           <a:p>
             <a:pPr lvl="3"/>
             <a:r>
-              <a:rPr lang="fr-FR" dirty="0" smtClean="0"/>
+              <a:rPr lang="fr-FR" dirty="0"/>
               <a:t>Quatrième niveau</a:t>
             </a:r>
           </a:p>
           <a:p>
             <a:pPr lvl="4"/>
             <a:r>
-              <a:rPr lang="fr-FR" dirty="0" smtClean="0"/>
+              <a:rPr lang="fr-FR" dirty="0"/>
               <a:t>Cinquième niveau</a:t>
             </a:r>
             <a:endParaRPr lang="en-US" dirty="0"/>
@@ -3718,7 +3683,7 @@
           <a:p>
             <a:fld id="{159142C7-4527-4223-B0C3-EFB260406640}" type="datetime1">
               <a:rPr lang="fr-CH" smtClean="0"/>
-              <a:t>21.05.2020</a:t>
+              <a:t>22.05.2020</a:t>
             </a:fld>
             <a:endParaRPr lang="fr-CH"/>
           </a:p>
@@ -3786,13 +3751,6 @@
   <p:clrMapOvr>
     <a:masterClrMapping/>
   </p:clrMapOvr>
-  <p:timing>
-    <p:tnLst>
-      <p:par>
-        <p:cTn id="1" dur="indefinite" restart="never" nodeType="tmRoot"/>
-      </p:par>
-    </p:tnLst>
-  </p:timing>
 </p:sldLayout>
 </file>
 
@@ -3840,7 +3798,7 @@
           </a:lstStyle>
           <a:p>
             <a:r>
-              <a:rPr lang="fr-FR" smtClean="0"/>
+              <a:rPr lang="fr-FR"/>
               <a:t>Modifiez le style du titre</a:t>
             </a:r>
             <a:endParaRPr lang="en-US" dirty="0"/>
@@ -3871,35 +3829,35 @@
           <a:p>
             <a:pPr lvl="0"/>
             <a:r>
-              <a:rPr lang="fr-FR" smtClean="0"/>
+              <a:rPr lang="fr-FR"/>
               <a:t>Modifiez les styles du texte du masque</a:t>
             </a:r>
           </a:p>
           <a:p>
             <a:pPr lvl="1"/>
             <a:r>
-              <a:rPr lang="fr-FR" smtClean="0"/>
+              <a:rPr lang="fr-FR"/>
               <a:t>Deuxième niveau</a:t>
             </a:r>
           </a:p>
           <a:p>
             <a:pPr lvl="2"/>
             <a:r>
-              <a:rPr lang="fr-FR" smtClean="0"/>
+              <a:rPr lang="fr-FR"/>
               <a:t>Troisième niveau</a:t>
             </a:r>
           </a:p>
           <a:p>
             <a:pPr lvl="3"/>
             <a:r>
-              <a:rPr lang="fr-FR" smtClean="0"/>
+              <a:rPr lang="fr-FR"/>
               <a:t>Quatrième niveau</a:t>
             </a:r>
           </a:p>
           <a:p>
             <a:pPr lvl="4"/>
             <a:r>
-              <a:rPr lang="fr-FR" smtClean="0"/>
+              <a:rPr lang="fr-FR"/>
               <a:t>Cinquième niveau</a:t>
             </a:r>
             <a:endParaRPr lang="en-US" dirty="0"/>
@@ -3967,7 +3925,7 @@
           <a:p>
             <a:pPr lvl="0"/>
             <a:r>
-              <a:rPr lang="fr-FR" smtClean="0"/>
+              <a:rPr lang="fr-FR"/>
               <a:t>Modifiez les styles du texte du masque</a:t>
             </a:r>
           </a:p>
@@ -3990,7 +3948,7 @@
           <a:p>
             <a:fld id="{76BB6D0E-3881-4B3D-96CD-ECBF10879B6D}" type="datetime1">
               <a:rPr lang="fr-CH" smtClean="0"/>
-              <a:t>21.05.2020</a:t>
+              <a:t>22.05.2020</a:t>
             </a:fld>
             <a:endParaRPr lang="fr-CH"/>
           </a:p>
@@ -4095,7 +4053,7 @@
           </a:lstStyle>
           <a:p>
             <a:r>
-              <a:rPr lang="fr-FR" smtClean="0"/>
+              <a:rPr lang="fr-FR"/>
               <a:t>Modifiez le style du titre</a:t>
             </a:r>
             <a:endParaRPr lang="en-US" dirty="0"/>
@@ -4162,7 +4120,7 @@
           </a:lstStyle>
           <a:p>
             <a:r>
-              <a:rPr lang="fr-FR" smtClean="0"/>
+              <a:rPr lang="fr-FR"/>
               <a:t>Cliquez sur l'icône pour ajouter une image</a:t>
             </a:r>
             <a:endParaRPr lang="en-US" dirty="0"/>
@@ -4230,7 +4188,7 @@
           <a:p>
             <a:pPr lvl="0"/>
             <a:r>
-              <a:rPr lang="fr-FR" smtClean="0"/>
+              <a:rPr lang="fr-FR"/>
               <a:t>Modifiez les styles du texte du masque</a:t>
             </a:r>
           </a:p>
@@ -4295,7 +4253,7 @@
           <a:p>
             <a:fld id="{CE03783F-3525-484F-BB92-A97332512ECC}" type="datetime1">
               <a:rPr lang="fr-CH" smtClean="0"/>
-              <a:t>21.05.2020</a:t>
+              <a:t>22.05.2020</a:t>
             </a:fld>
             <a:endParaRPr lang="fr-CH"/>
           </a:p>
@@ -4358,7 +4316,7 @@
           </a:lstStyle>
           <a:p>
             <a:r>
-              <a:rPr lang="fr-FR" smtClean="0"/>
+              <a:rPr lang="fr-FR"/>
               <a:t>Modifiez le style du titre</a:t>
             </a:r>
             <a:endParaRPr lang="en-US" dirty="0"/>
@@ -4481,7 +4439,7 @@
           <a:p>
             <a:pPr lvl="0"/>
             <a:r>
-              <a:rPr lang="fr-FR" smtClean="0"/>
+              <a:rPr lang="fr-FR"/>
               <a:t>Modifiez les styles du texte du masque</a:t>
             </a:r>
           </a:p>
@@ -4504,7 +4462,7 @@
           <a:p>
             <a:fld id="{3DD17AEC-70AF-45C1-A4D8-B9682E9F5690}" type="datetime1">
               <a:rPr lang="fr-CH" smtClean="0"/>
-              <a:t>21.05.2020</a:t>
+              <a:t>22.05.2020</a:t>
             </a:fld>
             <a:endParaRPr lang="fr-CH"/>
           </a:p>
@@ -4609,7 +4567,7 @@
           </a:lstStyle>
           <a:p>
             <a:r>
-              <a:rPr lang="fr-FR" smtClean="0"/>
+              <a:rPr lang="fr-FR"/>
               <a:t>Modifiez le style du titre</a:t>
             </a:r>
             <a:endParaRPr lang="en-US" dirty="0"/>
@@ -4673,7 +4631,7 @@
           <a:p>
             <a:pPr lvl="0"/>
             <a:r>
-              <a:rPr lang="fr-FR" smtClean="0"/>
+              <a:rPr lang="fr-FR"/>
               <a:t>Modifiez les styles du texte du masque</a:t>
             </a:r>
           </a:p>
@@ -4795,7 +4753,7 @@
           <a:p>
             <a:pPr lvl="0"/>
             <a:r>
-              <a:rPr lang="fr-FR" smtClean="0"/>
+              <a:rPr lang="fr-FR"/>
               <a:t>Modifiez les styles du texte du masque</a:t>
             </a:r>
           </a:p>
@@ -4818,7 +4776,7 @@
           <a:p>
             <a:fld id="{DD598F42-9E37-44B5-9404-FFDB7BFA3C58}" type="datetime1">
               <a:rPr lang="fr-CH" smtClean="0"/>
-              <a:t>21.05.2020</a:t>
+              <a:t>22.05.2020</a:t>
             </a:fld>
             <a:endParaRPr lang="fr-CH"/>
           </a:p>
@@ -5005,7 +4963,7 @@
           </a:lstStyle>
           <a:p>
             <a:r>
-              <a:rPr lang="fr-FR" smtClean="0"/>
+              <a:rPr lang="fr-FR"/>
               <a:t>Modifiez le style du titre</a:t>
             </a:r>
             <a:endParaRPr lang="en-US" dirty="0"/>
@@ -5128,7 +5086,7 @@
           <a:p>
             <a:pPr lvl="0"/>
             <a:r>
-              <a:rPr lang="fr-FR" smtClean="0"/>
+              <a:rPr lang="fr-FR"/>
               <a:t>Modifiez les styles du texte du masque</a:t>
             </a:r>
           </a:p>
@@ -5151,7 +5109,7 @@
           <a:p>
             <a:fld id="{D80A43B4-503F-48B3-9D69-A1E033EB31DC}" type="datetime1">
               <a:rPr lang="fr-CH" smtClean="0"/>
-              <a:t>21.05.2020</a:t>
+              <a:t>22.05.2020</a:t>
             </a:fld>
             <a:endParaRPr lang="fr-CH"/>
           </a:p>
@@ -5256,7 +5214,7 @@
           </a:lstStyle>
           <a:p>
             <a:r>
-              <a:rPr lang="fr-FR" smtClean="0"/>
+              <a:rPr lang="fr-FR"/>
               <a:t>Modifiez le style du titre</a:t>
             </a:r>
             <a:endParaRPr lang="en-US" dirty="0"/>
@@ -5320,7 +5278,7 @@
           <a:p>
             <a:pPr lvl="0"/>
             <a:r>
-              <a:rPr lang="fr-FR" smtClean="0"/>
+              <a:rPr lang="fr-FR"/>
               <a:t>Modifiez les styles du texte du masque</a:t>
             </a:r>
           </a:p>
@@ -5442,7 +5400,7 @@
           <a:p>
             <a:pPr lvl="0"/>
             <a:r>
-              <a:rPr lang="fr-FR" smtClean="0"/>
+              <a:rPr lang="fr-FR"/>
               <a:t>Modifiez les styles du texte du masque</a:t>
             </a:r>
           </a:p>
@@ -5465,7 +5423,7 @@
           <a:p>
             <a:fld id="{C63570D4-DC05-4346-960C-EE641E3F13E6}" type="datetime1">
               <a:rPr lang="fr-CH" smtClean="0"/>
-              <a:t>21.05.2020</a:t>
+              <a:t>22.05.2020</a:t>
             </a:fld>
             <a:endParaRPr lang="fr-CH"/>
           </a:p>
@@ -5652,7 +5610,7 @@
           </a:lstStyle>
           <a:p>
             <a:r>
-              <a:rPr lang="fr-FR" smtClean="0"/>
+              <a:rPr lang="fr-FR"/>
               <a:t>Modifiez le style du titre</a:t>
             </a:r>
             <a:endParaRPr lang="en-US" dirty="0"/>
@@ -5713,7 +5671,7 @@
           <a:p>
             <a:pPr lvl="0"/>
             <a:r>
-              <a:rPr lang="fr-FR" smtClean="0"/>
+              <a:rPr lang="fr-FR"/>
               <a:t>Modifiez les styles du texte du masque</a:t>
             </a:r>
           </a:p>
@@ -5835,7 +5793,7 @@
           <a:p>
             <a:pPr lvl="0"/>
             <a:r>
-              <a:rPr lang="fr-FR" smtClean="0"/>
+              <a:rPr lang="fr-FR"/>
               <a:t>Modifiez les styles du texte du masque</a:t>
             </a:r>
           </a:p>
@@ -5858,7 +5816,7 @@
           <a:p>
             <a:fld id="{6DAD8BB9-B4F7-4387-B4ED-AABAD1F880A7}" type="datetime1">
               <a:rPr lang="fr-CH" smtClean="0"/>
-              <a:t>21.05.2020</a:t>
+              <a:t>22.05.2020</a:t>
             </a:fld>
             <a:endParaRPr lang="fr-CH"/>
           </a:p>
@@ -5952,7 +5910,7 @@
           <a:lstStyle/>
           <a:p>
             <a:r>
-              <a:rPr lang="fr-FR" smtClean="0"/>
+              <a:rPr lang="fr-FR"/>
               <a:t>Modifiez le style du titre</a:t>
             </a:r>
             <a:endParaRPr lang="en-US" dirty="0"/>
@@ -5976,35 +5934,35 @@
           <a:p>
             <a:pPr lvl="0"/>
             <a:r>
-              <a:rPr lang="fr-FR" smtClean="0"/>
+              <a:rPr lang="fr-FR"/>
               <a:t>Modifiez les styles du texte du masque</a:t>
             </a:r>
           </a:p>
           <a:p>
             <a:pPr lvl="1"/>
             <a:r>
-              <a:rPr lang="fr-FR" smtClean="0"/>
+              <a:rPr lang="fr-FR"/>
               <a:t>Deuxième niveau</a:t>
             </a:r>
           </a:p>
           <a:p>
             <a:pPr lvl="2"/>
             <a:r>
-              <a:rPr lang="fr-FR" smtClean="0"/>
+              <a:rPr lang="fr-FR"/>
               <a:t>Troisième niveau</a:t>
             </a:r>
           </a:p>
           <a:p>
             <a:pPr lvl="3"/>
             <a:r>
-              <a:rPr lang="fr-FR" smtClean="0"/>
+              <a:rPr lang="fr-FR"/>
               <a:t>Quatrième niveau</a:t>
             </a:r>
           </a:p>
           <a:p>
             <a:pPr lvl="4"/>
             <a:r>
-              <a:rPr lang="fr-FR" smtClean="0"/>
+              <a:rPr lang="fr-FR"/>
               <a:t>Cinquième niveau</a:t>
             </a:r>
             <a:endParaRPr lang="en-US" dirty="0"/>
@@ -6028,7 +5986,7 @@
           <a:p>
             <a:fld id="{5AECCC42-73C7-497A-91BC-5B46DEBB8AEF}" type="datetime1">
               <a:rPr lang="fr-CH" smtClean="0"/>
-              <a:t>21.05.2020</a:t>
+              <a:t>22.05.2020</a:t>
             </a:fld>
             <a:endParaRPr lang="fr-CH"/>
           </a:p>
@@ -6127,7 +6085,7 @@
           <a:lstStyle/>
           <a:p>
             <a:r>
-              <a:rPr lang="fr-FR" smtClean="0"/>
+              <a:rPr lang="fr-FR"/>
               <a:t>Modifiez le style du titre</a:t>
             </a:r>
             <a:endParaRPr lang="en-US" dirty="0"/>
@@ -6156,35 +6114,35 @@
           <a:p>
             <a:pPr lvl="0"/>
             <a:r>
-              <a:rPr lang="fr-FR" smtClean="0"/>
+              <a:rPr lang="fr-FR"/>
               <a:t>Modifiez les styles du texte du masque</a:t>
             </a:r>
           </a:p>
           <a:p>
             <a:pPr lvl="1"/>
             <a:r>
-              <a:rPr lang="fr-FR" smtClean="0"/>
+              <a:rPr lang="fr-FR"/>
               <a:t>Deuxième niveau</a:t>
             </a:r>
           </a:p>
           <a:p>
             <a:pPr lvl="2"/>
             <a:r>
-              <a:rPr lang="fr-FR" smtClean="0"/>
+              <a:rPr lang="fr-FR"/>
               <a:t>Troisième niveau</a:t>
             </a:r>
           </a:p>
           <a:p>
             <a:pPr lvl="3"/>
             <a:r>
-              <a:rPr lang="fr-FR" smtClean="0"/>
+              <a:rPr lang="fr-FR"/>
               <a:t>Quatrième niveau</a:t>
             </a:r>
           </a:p>
           <a:p>
             <a:pPr lvl="4"/>
             <a:r>
-              <a:rPr lang="fr-FR" smtClean="0"/>
+              <a:rPr lang="fr-FR"/>
               <a:t>Cinquième niveau</a:t>
             </a:r>
             <a:endParaRPr lang="en-US" dirty="0"/>
@@ -6208,7 +6166,7 @@
           <a:p>
             <a:fld id="{24A8B8C1-AC7C-4439-ABE1-977A3F495DB0}" type="datetime1">
               <a:rPr lang="fr-CH" smtClean="0"/>
-              <a:t>21.05.2020</a:t>
+              <a:t>22.05.2020</a:t>
             </a:fld>
             <a:endParaRPr lang="fr-CH"/>
           </a:p>
@@ -6311,7 +6269,7 @@
           </a:lstStyle>
           <a:p>
             <a:r>
-              <a:rPr lang="fr-FR" dirty="0" smtClean="0"/>
+              <a:rPr lang="fr-FR" dirty="0"/>
               <a:t>Modifiez le style du titre</a:t>
             </a:r>
             <a:endParaRPr lang="fr-CH" dirty="0"/>
@@ -6431,7 +6389,7 @@
           <a:p>
             <a:pPr lvl="0"/>
             <a:r>
-              <a:rPr lang="fr-FR" smtClean="0"/>
+              <a:rPr lang="fr-FR"/>
               <a:t>Modifiez les styles du texte du masque</a:t>
             </a:r>
           </a:p>
@@ -6454,7 +6412,7 @@
           <a:p>
             <a:fld id="{8A489873-EBA8-4E74-A188-36791492334D}" type="datetime1">
               <a:rPr lang="fr-CH" smtClean="0"/>
-              <a:t>21.05.2020</a:t>
+              <a:t>22.05.2020</a:t>
             </a:fld>
             <a:endParaRPr lang="fr-CH"/>
           </a:p>
@@ -6512,13 +6470,6 @@
   <p:clrMapOvr>
     <a:masterClrMapping/>
   </p:clrMapOvr>
-  <p:timing>
-    <p:tnLst>
-      <p:par>
-        <p:cTn id="1" dur="indefinite" restart="never" nodeType="tmRoot"/>
-      </p:par>
-    </p:tnLst>
-  </p:timing>
 </p:sldLayout>
 </file>
 
@@ -6555,7 +6506,7 @@
           <a:lstStyle/>
           <a:p>
             <a:r>
-              <a:rPr lang="fr-FR" smtClean="0"/>
+              <a:rPr lang="fr-FR"/>
               <a:t>Modifiez le style du titre</a:t>
             </a:r>
             <a:endParaRPr lang="fr-CH"/>
@@ -6584,35 +6535,35 @@
           <a:p>
             <a:pPr lvl="0"/>
             <a:r>
-              <a:rPr lang="fr-FR" smtClean="0"/>
+              <a:rPr lang="fr-FR"/>
               <a:t>Modifiez les styles du texte du masque</a:t>
             </a:r>
           </a:p>
           <a:p>
             <a:pPr lvl="1"/>
             <a:r>
-              <a:rPr lang="fr-FR" smtClean="0"/>
+              <a:rPr lang="fr-FR"/>
               <a:t>Deuxième niveau</a:t>
             </a:r>
           </a:p>
           <a:p>
             <a:pPr lvl="2"/>
             <a:r>
-              <a:rPr lang="fr-FR" smtClean="0"/>
+              <a:rPr lang="fr-FR"/>
               <a:t>Troisième niveau</a:t>
             </a:r>
           </a:p>
           <a:p>
             <a:pPr lvl="3"/>
             <a:r>
-              <a:rPr lang="fr-FR" smtClean="0"/>
+              <a:rPr lang="fr-FR"/>
               <a:t>Quatrième niveau</a:t>
             </a:r>
           </a:p>
           <a:p>
             <a:pPr lvl="4"/>
             <a:r>
-              <a:rPr lang="fr-FR" smtClean="0"/>
+              <a:rPr lang="fr-FR"/>
               <a:t>Cinquième niveau</a:t>
             </a:r>
             <a:endParaRPr lang="fr-CH"/>
@@ -6641,35 +6592,35 @@
           <a:p>
             <a:pPr lvl="0"/>
             <a:r>
-              <a:rPr lang="fr-FR" smtClean="0"/>
+              <a:rPr lang="fr-FR"/>
               <a:t>Modifiez les styles du texte du masque</a:t>
             </a:r>
           </a:p>
           <a:p>
             <a:pPr lvl="1"/>
             <a:r>
-              <a:rPr lang="fr-FR" smtClean="0"/>
+              <a:rPr lang="fr-FR"/>
               <a:t>Deuxième niveau</a:t>
             </a:r>
           </a:p>
           <a:p>
             <a:pPr lvl="2"/>
             <a:r>
-              <a:rPr lang="fr-FR" smtClean="0"/>
+              <a:rPr lang="fr-FR"/>
               <a:t>Troisième niveau</a:t>
             </a:r>
           </a:p>
           <a:p>
             <a:pPr lvl="3"/>
             <a:r>
-              <a:rPr lang="fr-FR" smtClean="0"/>
+              <a:rPr lang="fr-FR"/>
               <a:t>Quatrième niveau</a:t>
             </a:r>
           </a:p>
           <a:p>
             <a:pPr lvl="4"/>
             <a:r>
-              <a:rPr lang="fr-FR" smtClean="0"/>
+              <a:rPr lang="fr-FR"/>
               <a:t>Cinquième niveau</a:t>
             </a:r>
             <a:endParaRPr lang="fr-CH"/>
@@ -6693,7 +6644,7 @@
           <a:p>
             <a:fld id="{2716B30A-CC25-498D-A978-F9C8FA3447EC}" type="datetime1">
               <a:rPr lang="fr-CH" smtClean="0"/>
-              <a:t>21.05.2020</a:t>
+              <a:t>22.05.2020</a:t>
             </a:fld>
             <a:endParaRPr lang="fr-CH"/>
           </a:p>
@@ -6751,13 +6702,6 @@
   <p:clrMapOvr>
     <a:masterClrMapping/>
   </p:clrMapOvr>
-  <p:timing>
-    <p:tnLst>
-      <p:par>
-        <p:cTn id="1" dur="indefinite" restart="never" nodeType="tmRoot"/>
-      </p:par>
-    </p:tnLst>
-  </p:timing>
 </p:sldLayout>
 </file>
 
@@ -6799,7 +6743,7 @@
           <a:lstStyle/>
           <a:p>
             <a:r>
-              <a:rPr lang="fr-FR" smtClean="0"/>
+              <a:rPr lang="fr-FR"/>
               <a:t>Modifiez le style du titre</a:t>
             </a:r>
             <a:endParaRPr lang="fr-CH"/>
@@ -6865,7 +6809,7 @@
           <a:p>
             <a:pPr lvl="0"/>
             <a:r>
-              <a:rPr lang="fr-FR" smtClean="0"/>
+              <a:rPr lang="fr-FR"/>
               <a:t>Modifiez les styles du texte du masque</a:t>
             </a:r>
           </a:p>
@@ -6893,35 +6837,35 @@
           <a:p>
             <a:pPr lvl="0"/>
             <a:r>
-              <a:rPr lang="fr-FR" smtClean="0"/>
+              <a:rPr lang="fr-FR"/>
               <a:t>Modifiez les styles du texte du masque</a:t>
             </a:r>
           </a:p>
           <a:p>
             <a:pPr lvl="1"/>
             <a:r>
-              <a:rPr lang="fr-FR" smtClean="0"/>
+              <a:rPr lang="fr-FR"/>
               <a:t>Deuxième niveau</a:t>
             </a:r>
           </a:p>
           <a:p>
             <a:pPr lvl="2"/>
             <a:r>
-              <a:rPr lang="fr-FR" smtClean="0"/>
+              <a:rPr lang="fr-FR"/>
               <a:t>Troisième niveau</a:t>
             </a:r>
           </a:p>
           <a:p>
             <a:pPr lvl="3"/>
             <a:r>
-              <a:rPr lang="fr-FR" smtClean="0"/>
+              <a:rPr lang="fr-FR"/>
               <a:t>Quatrième niveau</a:t>
             </a:r>
           </a:p>
           <a:p>
             <a:pPr lvl="4"/>
             <a:r>
-              <a:rPr lang="fr-FR" smtClean="0"/>
+              <a:rPr lang="fr-FR"/>
               <a:t>Cinquième niveau</a:t>
             </a:r>
             <a:endParaRPr lang="fr-CH"/>
@@ -6987,7 +6931,7 @@
           <a:p>
             <a:pPr lvl="0"/>
             <a:r>
-              <a:rPr lang="fr-FR" smtClean="0"/>
+              <a:rPr lang="fr-FR"/>
               <a:t>Modifiez les styles du texte du masque</a:t>
             </a:r>
           </a:p>
@@ -7015,35 +6959,35 @@
           <a:p>
             <a:pPr lvl="0"/>
             <a:r>
-              <a:rPr lang="fr-FR" smtClean="0"/>
+              <a:rPr lang="fr-FR"/>
               <a:t>Modifiez les styles du texte du masque</a:t>
             </a:r>
           </a:p>
           <a:p>
             <a:pPr lvl="1"/>
             <a:r>
-              <a:rPr lang="fr-FR" smtClean="0"/>
+              <a:rPr lang="fr-FR"/>
               <a:t>Deuxième niveau</a:t>
             </a:r>
           </a:p>
           <a:p>
             <a:pPr lvl="2"/>
             <a:r>
-              <a:rPr lang="fr-FR" smtClean="0"/>
+              <a:rPr lang="fr-FR"/>
               <a:t>Troisième niveau</a:t>
             </a:r>
           </a:p>
           <a:p>
             <a:pPr lvl="3"/>
             <a:r>
-              <a:rPr lang="fr-FR" smtClean="0"/>
+              <a:rPr lang="fr-FR"/>
               <a:t>Quatrième niveau</a:t>
             </a:r>
           </a:p>
           <a:p>
             <a:pPr lvl="4"/>
             <a:r>
-              <a:rPr lang="fr-FR" smtClean="0"/>
+              <a:rPr lang="fr-FR"/>
               <a:t>Cinquième niveau</a:t>
             </a:r>
             <a:endParaRPr lang="fr-CH"/>
@@ -7067,7 +7011,7 @@
           <a:p>
             <a:fld id="{86F0612F-4B27-4C50-9FEF-D899F02BE98F}" type="datetime1">
               <a:rPr lang="fr-CH" smtClean="0"/>
-              <a:t>21.05.2020</a:t>
+              <a:t>22.05.2020</a:t>
             </a:fld>
             <a:endParaRPr lang="fr-CH"/>
           </a:p>
@@ -7125,13 +7069,6 @@
   <p:clrMapOvr>
     <a:masterClrMapping/>
   </p:clrMapOvr>
-  <p:timing>
-    <p:tnLst>
-      <p:par>
-        <p:cTn id="1" dur="indefinite" restart="never" nodeType="tmRoot"/>
-      </p:par>
-    </p:tnLst>
-  </p:timing>
 </p:sldLayout>
 </file>
 
@@ -7168,7 +7105,7 @@
           <a:lstStyle/>
           <a:p>
             <a:r>
-              <a:rPr lang="fr-FR" smtClean="0"/>
+              <a:rPr lang="fr-FR"/>
               <a:t>Modifiez le style du titre</a:t>
             </a:r>
             <a:endParaRPr lang="fr-CH"/>
@@ -7192,7 +7129,7 @@
           <a:p>
             <a:fld id="{1F3DD3EA-FE5E-4B40-AAF2-7BDC6B236448}" type="datetime1">
               <a:rPr lang="fr-CH" smtClean="0"/>
-              <a:t>21.05.2020</a:t>
+              <a:t>22.05.2020</a:t>
             </a:fld>
             <a:endParaRPr lang="fr-CH"/>
           </a:p>
@@ -7287,7 +7224,7 @@
           <a:p>
             <a:fld id="{DFCE601C-520E-4D95-87EA-C15A6C947E77}" type="datetime1">
               <a:rPr lang="fr-CH" smtClean="0"/>
-              <a:t>21.05.2020</a:t>
+              <a:t>22.05.2020</a:t>
             </a:fld>
             <a:endParaRPr lang="fr-CH"/>
           </a:p>
@@ -7390,7 +7327,7 @@
           </a:lstStyle>
           <a:p>
             <a:r>
-              <a:rPr lang="fr-FR" smtClean="0"/>
+              <a:rPr lang="fr-FR"/>
               <a:t>Modifiez le style du titre</a:t>
             </a:r>
             <a:endParaRPr lang="fr-CH"/>
@@ -7447,35 +7384,35 @@
           <a:p>
             <a:pPr lvl="0"/>
             <a:r>
-              <a:rPr lang="fr-FR" smtClean="0"/>
+              <a:rPr lang="fr-FR"/>
               <a:t>Modifiez les styles du texte du masque</a:t>
             </a:r>
           </a:p>
           <a:p>
             <a:pPr lvl="1"/>
             <a:r>
-              <a:rPr lang="fr-FR" smtClean="0"/>
+              <a:rPr lang="fr-FR"/>
               <a:t>Deuxième niveau</a:t>
             </a:r>
           </a:p>
           <a:p>
             <a:pPr lvl="2"/>
             <a:r>
-              <a:rPr lang="fr-FR" smtClean="0"/>
+              <a:rPr lang="fr-FR"/>
               <a:t>Troisième niveau</a:t>
             </a:r>
           </a:p>
           <a:p>
             <a:pPr lvl="3"/>
             <a:r>
-              <a:rPr lang="fr-FR" smtClean="0"/>
+              <a:rPr lang="fr-FR"/>
               <a:t>Quatrième niveau</a:t>
             </a:r>
           </a:p>
           <a:p>
             <a:pPr lvl="4"/>
             <a:r>
-              <a:rPr lang="fr-FR" smtClean="0"/>
+              <a:rPr lang="fr-FR"/>
               <a:t>Cinquième niveau</a:t>
             </a:r>
             <a:endParaRPr lang="fr-CH"/>
@@ -7541,7 +7478,7 @@
           <a:p>
             <a:pPr lvl="0"/>
             <a:r>
-              <a:rPr lang="fr-FR" smtClean="0"/>
+              <a:rPr lang="fr-FR"/>
               <a:t>Modifiez les styles du texte du masque</a:t>
             </a:r>
           </a:p>
@@ -7564,7 +7501,7 @@
           <a:p>
             <a:fld id="{7CDD90FB-8902-44F1-AFF3-670F9F6ABDF8}" type="datetime1">
               <a:rPr lang="fr-CH" smtClean="0"/>
-              <a:t>21.05.2020</a:t>
+              <a:t>22.05.2020</a:t>
             </a:fld>
             <a:endParaRPr lang="fr-CH"/>
           </a:p>
@@ -7667,7 +7604,7 @@
           </a:lstStyle>
           <a:p>
             <a:r>
-              <a:rPr lang="fr-FR" smtClean="0"/>
+              <a:rPr lang="fr-FR"/>
               <a:t>Modifiez le style du titre</a:t>
             </a:r>
             <a:endParaRPr lang="fr-CH"/>
@@ -7794,7 +7731,7 @@
           <a:p>
             <a:pPr lvl="0"/>
             <a:r>
-              <a:rPr lang="fr-FR" smtClean="0"/>
+              <a:rPr lang="fr-FR"/>
               <a:t>Modifiez les styles du texte du masque</a:t>
             </a:r>
           </a:p>
@@ -7817,7 +7754,7 @@
           <a:p>
             <a:fld id="{6A97B839-6A40-4321-AA7D-D18AFAC76C0E}" type="datetime1">
               <a:rPr lang="fr-CH" smtClean="0"/>
-              <a:t>21.05.2020</a:t>
+              <a:t>22.05.2020</a:t>
             </a:fld>
             <a:endParaRPr lang="fr-CH"/>
           </a:p>
@@ -7926,7 +7863,7 @@
           <a:lstStyle/>
           <a:p>
             <a:r>
-              <a:rPr lang="fr-FR" smtClean="0"/>
+              <a:rPr lang="fr-FR"/>
               <a:t>Modifiez le style du titre</a:t>
             </a:r>
             <a:endParaRPr lang="fr-CH"/>
@@ -7960,35 +7897,35 @@
           <a:p>
             <a:pPr lvl="0"/>
             <a:r>
-              <a:rPr lang="fr-FR" smtClean="0"/>
+              <a:rPr lang="fr-FR"/>
               <a:t>Modifiez les styles du texte du masque</a:t>
             </a:r>
           </a:p>
           <a:p>
             <a:pPr lvl="1"/>
             <a:r>
-              <a:rPr lang="fr-FR" smtClean="0"/>
+              <a:rPr lang="fr-FR"/>
               <a:t>Deuxième niveau</a:t>
             </a:r>
           </a:p>
           <a:p>
             <a:pPr lvl="2"/>
             <a:r>
-              <a:rPr lang="fr-FR" smtClean="0"/>
+              <a:rPr lang="fr-FR"/>
               <a:t>Troisième niveau</a:t>
             </a:r>
           </a:p>
           <a:p>
             <a:pPr lvl="3"/>
             <a:r>
-              <a:rPr lang="fr-FR" smtClean="0"/>
+              <a:rPr lang="fr-FR"/>
               <a:t>Quatrième niveau</a:t>
             </a:r>
           </a:p>
           <a:p>
             <a:pPr lvl="4"/>
             <a:r>
-              <a:rPr lang="fr-FR" smtClean="0"/>
+              <a:rPr lang="fr-FR"/>
               <a:t>Cinquième niveau</a:t>
             </a:r>
             <a:endParaRPr lang="fr-CH"/>
@@ -8030,7 +7967,7 @@
           <a:p>
             <a:fld id="{36C5D13F-9125-4315-B7A7-EB82236C947E}" type="datetime1">
               <a:rPr lang="fr-CH" smtClean="0"/>
-              <a:t>21.05.2020</a:t>
+              <a:t>22.05.2020</a:t>
             </a:fld>
             <a:endParaRPr lang="fr-CH"/>
           </a:p>
@@ -8137,13 +8074,6 @@
     <p:sldLayoutId id="2147483680" r:id="rId11"/>
     <p:sldLayoutId id="2147483665" r:id="rId12"/>
   </p:sldLayoutIdLst>
-  <p:timing>
-    <p:tnLst>
-      <p:par>
-        <p:cTn id="1" dur="indefinite" restart="never" nodeType="tmRoot"/>
-      </p:par>
-    </p:tnLst>
-  </p:timing>
   <p:hf hdr="0" ftr="0" dt="0"/>
   <p:txStyles>
     <p:titleStyle>
@@ -9007,7 +8937,7 @@
           <a:lstStyle/>
           <a:p>
             <a:r>
-              <a:rPr lang="fr-FR" smtClean="0"/>
+              <a:rPr lang="fr-FR"/>
               <a:t>Modifiez le style du titre</a:t>
             </a:r>
             <a:endParaRPr lang="en-US" dirty="0"/>
@@ -9041,35 +8971,35 @@
           <a:p>
             <a:pPr lvl="0"/>
             <a:r>
-              <a:rPr lang="fr-FR" smtClean="0"/>
+              <a:rPr lang="fr-FR"/>
               <a:t>Modifiez les styles du texte du masque</a:t>
             </a:r>
           </a:p>
           <a:p>
             <a:pPr lvl="1"/>
             <a:r>
-              <a:rPr lang="fr-FR" smtClean="0"/>
+              <a:rPr lang="fr-FR"/>
               <a:t>Deuxième niveau</a:t>
             </a:r>
           </a:p>
           <a:p>
             <a:pPr lvl="2"/>
             <a:r>
-              <a:rPr lang="fr-FR" smtClean="0"/>
+              <a:rPr lang="fr-FR"/>
               <a:t>Troisième niveau</a:t>
             </a:r>
           </a:p>
           <a:p>
             <a:pPr lvl="3"/>
             <a:r>
-              <a:rPr lang="fr-FR" smtClean="0"/>
+              <a:rPr lang="fr-FR"/>
               <a:t>Quatrième niveau</a:t>
             </a:r>
           </a:p>
           <a:p>
             <a:pPr lvl="4"/>
             <a:r>
-              <a:rPr lang="fr-FR" smtClean="0"/>
+              <a:rPr lang="fr-FR"/>
               <a:t>Cinquième niveau</a:t>
             </a:r>
             <a:endParaRPr lang="en-US" dirty="0"/>
@@ -9111,7 +9041,7 @@
           <a:p>
             <a:fld id="{35BA6938-53D0-4653-82AB-3885BCA89A92}" type="datetime1">
               <a:rPr lang="fr-CH" smtClean="0"/>
-              <a:t>21.05.2020</a:t>
+              <a:t>22.05.2020</a:t>
             </a:fld>
             <a:endParaRPr lang="fr-CH"/>
           </a:p>
@@ -9220,13 +9150,6 @@
     <p:sldLayoutId id="2147483726" r:id="rId15"/>
     <p:sldLayoutId id="2147483727" r:id="rId16"/>
   </p:sldLayoutIdLst>
-  <p:timing>
-    <p:tnLst>
-      <p:par>
-        <p:cTn id="1" dur="indefinite" restart="never" nodeType="tmRoot"/>
-      </p:par>
-    </p:tnLst>
-  </p:timing>
   <p:hf hdr="0" ftr="0" dt="0"/>
   <p:txStyles>
     <p:titleStyle>
@@ -9665,10 +9588,9 @@
           <a:lstStyle/>
           <a:p>
             <a:r>
-              <a:rPr lang="fr-CH" sz="4000" dirty="0" smtClean="0"/>
+              <a:rPr lang="fr-CH" sz="4000" dirty="0"/>
               <a:t>Interactions Multimodales et Affectives - Projet</a:t>
             </a:r>
-            <a:endParaRPr lang="fr-CH" sz="4000" dirty="0"/>
           </a:p>
         </p:txBody>
       </p:sp>
@@ -9688,16 +9610,12 @@
           <a:lstStyle/>
           <a:p>
             <a:r>
-              <a:rPr lang="fr-CH" dirty="0" err="1" smtClean="0"/>
+              <a:rPr lang="fr-CH" dirty="0" err="1"/>
               <a:t>Rivollat</a:t>
             </a:r>
             <a:r>
-              <a:rPr lang="fr-CH" dirty="0" smtClean="0"/>
-              <a:t> Quentin et Chevalley </a:t>
-            </a:r>
-            <a:r>
               <a:rPr lang="fr-CH" dirty="0"/>
-              <a:t>Gibran</a:t>
+              <a:t> Quentin et Chevalley Gibran</a:t>
             </a:r>
           </a:p>
         </p:txBody>
@@ -9736,13 +9654,6 @@
   <p:clrMapOvr>
     <a:masterClrMapping/>
   </p:clrMapOvr>
-  <p:timing>
-    <p:tnLst>
-      <p:par>
-        <p:cTn id="1" dur="indefinite" restart="never" nodeType="tmRoot"/>
-      </p:par>
-    </p:tnLst>
-  </p:timing>
 </p:sld>
 </file>
 
@@ -9815,35 +9726,14 @@
           <a:p>
             <a:r>
               <a:rPr lang="fr-FR" sz="1600" dirty="0"/>
-              <a:t>1. </a:t>
-            </a:r>
-            <a:r>
-              <a:rPr lang="fr-FR" sz="1600" dirty="0" smtClean="0"/>
-              <a:t>(Pour </a:t>
-            </a:r>
+              <a:t>1. (Pour chaque difficulté) La difficulté était correctement adaptée à mon niveau</a:t>
+            </a:r>
+          </a:p>
+          <a:p>
             <a:r>
               <a:rPr lang="fr-FR" sz="1600" dirty="0"/>
-              <a:t>chaque </a:t>
-            </a:r>
-            <a:r>
-              <a:rPr lang="fr-FR" sz="1600" dirty="0" smtClean="0"/>
-              <a:t>difficulté) La </a:t>
-            </a:r>
-            <a:r>
-              <a:rPr lang="fr-FR" sz="1600" dirty="0"/>
-              <a:t>difficulté était correctement adaptée à mon niveau</a:t>
-            </a:r>
-          </a:p>
-          <a:p>
-            <a:r>
-              <a:rPr lang="fr-FR" sz="1600" dirty="0"/>
-              <a:t>2. «Lorsque je n'avais presque plus de vie, je me suis sentie plus stressé que le reste du temps</a:t>
-            </a:r>
-            <a:r>
-              <a:rPr lang="fr-FR" sz="1600" dirty="0" smtClean="0"/>
-              <a:t>» </a:t>
-            </a:r>
-            <a:endParaRPr lang="fr-FR" sz="1600" dirty="0"/>
+              <a:t>2. «Lorsque je n'avais presque plus de vie, je me suis sentie plus stressé que le reste du temps» </a:t>
+            </a:r>
           </a:p>
           <a:p>
             <a:r>
@@ -9866,13 +9756,8 @@
           <a:p>
             <a:r>
               <a:rPr lang="fr-FR" sz="1600" dirty="0"/>
-              <a:t>6. «J'aimerais rejouer à ce jeu chez moi</a:t>
-            </a:r>
-            <a:r>
-              <a:rPr lang="fr-FR" sz="1600" dirty="0" smtClean="0"/>
-              <a:t>»</a:t>
-            </a:r>
-            <a:endParaRPr lang="fr-FR" sz="1600" dirty="0"/>
+              <a:t>6. «J'aimerais rejouer à ce jeu chez moi»</a:t>
+            </a:r>
           </a:p>
         </p:txBody>
       </p:sp>
@@ -9922,12 +9807,8 @@
           <a:lstStyle/>
           <a:p>
             <a:r>
-              <a:rPr lang="fr-CH" sz="2800" dirty="0" smtClean="0"/>
-              <a:t>Questionnaire </a:t>
-            </a:r>
-            <a:r>
               <a:rPr lang="fr-CH" sz="2800" dirty="0"/>
-              <a:t>post-expérimental</a:t>
+              <a:t>Questionnaire post-expérimental</a:t>
             </a:r>
           </a:p>
         </p:txBody>
@@ -10020,15 +9901,7 @@
           <a:p>
             <a:r>
               <a:rPr lang="fr-FR" sz="1600" dirty="0"/>
-              <a:t>Choix des </a:t>
-            </a:r>
-            <a:r>
-              <a:rPr lang="fr-FR" sz="1600" dirty="0" smtClean="0"/>
-              <a:t>difficultés </a:t>
-            </a:r>
-            <a:r>
-              <a:rPr lang="fr-FR" sz="1600" dirty="0"/>
-              <a:t>lors que le choix est laissé à l'utilisateur</a:t>
+              <a:t>Choix des difficultés lors que le choix est laissé à l'utilisateur</a:t>
             </a:r>
           </a:p>
           <a:p>
@@ -10040,13 +9913,8 @@
           <a:p>
             <a:r>
               <a:rPr lang="fr-FR" sz="1600" dirty="0"/>
-              <a:t>Nombre de fois où le ralentissement s'est </a:t>
-            </a:r>
-            <a:r>
-              <a:rPr lang="fr-FR" sz="1600" dirty="0" smtClean="0"/>
-              <a:t>déclenché</a:t>
-            </a:r>
-            <a:endParaRPr lang="fr-FR" sz="1600" dirty="0"/>
+              <a:t>Nombre de fois où le ralentissement s'est déclenché</a:t>
+            </a:r>
           </a:p>
         </p:txBody>
       </p:sp>
@@ -10148,10 +10016,9 @@
           <a:lstStyle/>
           <a:p>
             <a:r>
-              <a:rPr lang="fr-CH" dirty="0" smtClean="0"/>
+              <a:rPr lang="fr-CH" dirty="0"/>
               <a:t>Merci pour votre attention</a:t>
             </a:r>
-            <a:endParaRPr lang="fr-CH" dirty="0"/>
           </a:p>
         </p:txBody>
       </p:sp>
@@ -10207,13 +10074,6 @@
   <p:clrMapOvr>
     <a:masterClrMapping/>
   </p:clrMapOvr>
-  <p:timing>
-    <p:tnLst>
-      <p:par>
-        <p:cTn id="1" dur="indefinite" restart="never" nodeType="tmRoot"/>
-      </p:par>
-    </p:tnLst>
-  </p:timing>
 </p:sld>
 </file>
 
@@ -10250,10 +10110,9 @@
           <a:lstStyle/>
           <a:p>
             <a:r>
-              <a:rPr lang="fr-CH" dirty="0" smtClean="0"/>
+              <a:rPr lang="fr-CH" dirty="0"/>
               <a:t>Notre jeu</a:t>
             </a:r>
-            <a:endParaRPr lang="fr-CH" dirty="0"/>
           </a:p>
         </p:txBody>
       </p:sp>
@@ -10314,13 +10173,6 @@
   <p:clrMapOvr>
     <a:masterClrMapping/>
   </p:clrMapOvr>
-  <p:timing>
-    <p:tnLst>
-      <p:par>
-        <p:cTn id="1" dur="indefinite" restart="never" nodeType="tmRoot"/>
-      </p:par>
-    </p:tnLst>
-  </p:timing>
 </p:sld>
 </file>
 
@@ -10357,10 +10209,9 @@
           <a:lstStyle/>
           <a:p>
             <a:r>
-              <a:rPr lang="fr-CH" dirty="0" smtClean="0"/>
+              <a:rPr lang="fr-CH" dirty="0"/>
               <a:t>Démo du projet</a:t>
             </a:r>
-            <a:endParaRPr lang="fr-CH" dirty="0"/>
           </a:p>
         </p:txBody>
       </p:sp>
@@ -10416,13 +10267,6 @@
   <p:clrMapOvr>
     <a:masterClrMapping/>
   </p:clrMapOvr>
-  <p:timing>
-    <p:tnLst>
-      <p:par>
-        <p:cTn id="1" dur="indefinite" restart="never" nodeType="tmRoot"/>
-      </p:par>
-    </p:tnLst>
-  </p:timing>
 </p:sld>
 </file>
 
@@ -10459,10 +10303,9 @@
           <a:lstStyle/>
           <a:p>
             <a:r>
-              <a:rPr lang="fr-CH" dirty="0" smtClean="0"/>
+              <a:rPr lang="fr-CH" dirty="0"/>
               <a:t>Avancement</a:t>
             </a:r>
-            <a:endParaRPr lang="fr-CH" dirty="0"/>
           </a:p>
         </p:txBody>
       </p:sp>
@@ -10542,10 +10385,9 @@
           <a:p>
             <a:pPr algn="ctr"/>
             <a:r>
-              <a:rPr lang="fr-CH" dirty="0" smtClean="0"/>
+              <a:rPr lang="fr-CH" dirty="0"/>
               <a:t>Graphismes et menu pause</a:t>
             </a:r>
-            <a:endParaRPr lang="fr-CH" dirty="0"/>
           </a:p>
         </p:txBody>
       </p:sp>
@@ -10603,10 +10445,9 @@
           <a:p>
             <a:pPr algn="ctr"/>
             <a:r>
-              <a:rPr lang="fr-CH" dirty="0" smtClean="0"/>
+              <a:rPr lang="fr-CH" dirty="0"/>
               <a:t>Indicateur de barre de vie</a:t>
             </a:r>
-            <a:endParaRPr lang="fr-CH" dirty="0"/>
           </a:p>
         </p:txBody>
       </p:sp>
@@ -10675,10 +10516,9 @@
           <a:p>
             <a:pPr algn="ctr"/>
             <a:r>
-              <a:rPr lang="fr-CH" dirty="0" smtClean="0"/>
+              <a:rPr lang="fr-CH" dirty="0"/>
               <a:t>Ajout de musique</a:t>
             </a:r>
-            <a:endParaRPr lang="fr-CH" dirty="0"/>
           </a:p>
         </p:txBody>
       </p:sp>
@@ -10705,14 +10545,11 @@
           <a:lstStyle/>
           <a:p>
             <a:r>
-              <a:rPr lang="fr-CH" b="1" dirty="0" smtClean="0">
+              <a:rPr lang="fr-CH" b="1" dirty="0">
                 <a:latin typeface="Arial Rounded MT Bold" panose="020F0704030504030204" pitchFamily="34" charset="0"/>
               </a:rPr>
               <a:t>Combo</a:t>
             </a:r>
-            <a:endParaRPr lang="fr-CH" b="1" dirty="0">
-              <a:latin typeface="Arial Rounded MT Bold" panose="020F0704030504030204" pitchFamily="34" charset="0"/>
-            </a:endParaRPr>
           </a:p>
         </p:txBody>
       </p:sp>
@@ -10743,9 +10580,6 @@
               </a:rPr>
               <a:t>x2</a:t>
             </a:r>
-            <a:endParaRPr lang="fr-CH" sz="2800" b="1" dirty="0">
-              <a:latin typeface="Arial Rounded MT Bold" panose="020F0704030504030204" pitchFamily="34" charset="0"/>
-            </a:endParaRPr>
           </a:p>
         </p:txBody>
       </p:sp>
@@ -10773,10 +10607,9 @@
           <a:p>
             <a:pPr algn="ctr"/>
             <a:r>
-              <a:rPr lang="fr-CH" dirty="0" smtClean="0"/>
+              <a:rPr lang="fr-CH" dirty="0"/>
               <a:t>Combo et meilleur score</a:t>
             </a:r>
-            <a:endParaRPr lang="fr-CH" dirty="0"/>
           </a:p>
         </p:txBody>
       </p:sp>
@@ -10790,13 +10623,6 @@
   <p:clrMapOvr>
     <a:masterClrMapping/>
   </p:clrMapOvr>
-  <p:timing>
-    <p:tnLst>
-      <p:par>
-        <p:cTn id="1" dur="indefinite" restart="never" nodeType="tmRoot"/>
-      </p:par>
-    </p:tnLst>
-  </p:timing>
 </p:sld>
 </file>
 
@@ -10927,7 +10753,7 @@
           <a:p>
             <a:pPr algn="ctr"/>
             <a:r>
-              <a:rPr lang="fr-CH" dirty="0" smtClean="0"/>
+              <a:rPr lang="fr-CH" dirty="0"/>
               <a:t>Implémenter ralentissement</a:t>
             </a:r>
           </a:p>
@@ -11025,14 +10851,14 @@
           <a:p>
             <a:pPr algn="ctr"/>
             <a:r>
-              <a:rPr lang="fr-CH" dirty="0" smtClean="0"/>
+              <a:rPr lang="fr-CH" dirty="0"/>
               <a:t>Lancer python depuis </a:t>
             </a:r>
             <a:r>
-              <a:rPr lang="fr-CH" dirty="0" err="1" smtClean="0"/>
+              <a:rPr lang="fr-CH" dirty="0" err="1"/>
               <a:t>unity</a:t>
             </a:r>
-            <a:endParaRPr lang="fr-CH" dirty="0" smtClean="0"/>
+            <a:endParaRPr lang="fr-CH" dirty="0"/>
           </a:p>
         </p:txBody>
       </p:sp>
@@ -11090,10 +10916,9 @@
           <a:p>
             <a:pPr algn="ctr"/>
             <a:r>
-              <a:rPr lang="fr-CH" dirty="0" smtClean="0"/>
+              <a:rPr lang="fr-CH" dirty="0"/>
               <a:t>Adapter la difficulté dynamiquement</a:t>
             </a:r>
-            <a:endParaRPr lang="fr-CH" dirty="0" smtClean="0"/>
           </a:p>
         </p:txBody>
       </p:sp>
@@ -11107,13 +10932,6 @@
   <p:clrMapOvr>
     <a:masterClrMapping/>
   </p:clrMapOvr>
-  <p:timing>
-    <p:tnLst>
-      <p:par>
-        <p:cTn id="1" dur="indefinite" restart="never" nodeType="tmRoot"/>
-      </p:par>
-    </p:tnLst>
-  </p:timing>
 </p:sld>
 </file>
 
@@ -11150,10 +10968,9 @@
           <a:lstStyle/>
           <a:p>
             <a:r>
-              <a:rPr lang="fr-CH" dirty="0" smtClean="0"/>
+              <a:rPr lang="fr-CH" dirty="0"/>
               <a:t>Déroulement de l’évaluation</a:t>
             </a:r>
-            <a:endParaRPr lang="fr-CH" dirty="0"/>
           </a:p>
         </p:txBody>
       </p:sp>
@@ -11180,10 +10997,9 @@
           <a:lstStyle/>
           <a:p>
             <a:r>
-              <a:rPr lang="fr-CH" sz="1600" dirty="0" smtClean="0"/>
+              <a:rPr lang="fr-CH" sz="1600" dirty="0"/>
               <a:t>Avec tous les stratagèmes mis en place, on peut garder le joueur engagé dans la partie</a:t>
             </a:r>
-            <a:endParaRPr lang="fr-CH" sz="1600" dirty="0"/>
           </a:p>
         </p:txBody>
       </p:sp>
@@ -11233,10 +11049,9 @@
           <a:lstStyle/>
           <a:p>
             <a:r>
-              <a:rPr lang="fr-CH" sz="2800" dirty="0" smtClean="0"/>
+              <a:rPr lang="fr-CH" sz="2800" dirty="0"/>
               <a:t>Hypothèse:</a:t>
             </a:r>
-            <a:endParaRPr lang="fr-CH" sz="2800" dirty="0"/>
           </a:p>
         </p:txBody>
       </p:sp>
@@ -11250,13 +11065,6 @@
   <p:clrMapOvr>
     <a:masterClrMapping/>
   </p:clrMapOvr>
-  <p:timing>
-    <p:tnLst>
-      <p:par>
-        <p:cTn id="1" dur="indefinite" restart="never" nodeType="tmRoot"/>
-      </p:par>
-    </p:tnLst>
-  </p:timing>
 </p:sld>
 </file>
 
@@ -11323,62 +11131,49 @@
           <a:p>
             <a:r>
               <a:rPr lang="fr-FR" sz="1600" dirty="0"/>
-              <a:t>Quel est votre </a:t>
-            </a:r>
-            <a:r>
-              <a:rPr lang="fr-FR" sz="1600" dirty="0" smtClean="0"/>
-              <a:t>âge</a:t>
-            </a:r>
-            <a:endParaRPr lang="fr-FR" sz="1600" dirty="0"/>
+              <a:t>Quel est votre âge ?</a:t>
+            </a:r>
           </a:p>
           <a:p>
             <a:r>
               <a:rPr lang="fr-FR" sz="1600" dirty="0"/>
-              <a:t>Quel est votre familiarité avec l'utilisation d'ordinateur</a:t>
+              <a:t>Quel est votre familiarité avec l'utilisation d'ordinateur ?</a:t>
             </a:r>
           </a:p>
           <a:p>
             <a:r>
               <a:rPr lang="fr-FR" sz="1600" dirty="0"/>
-              <a:t>Avez-vous l'habitude de jouer aux jeux-vidéos</a:t>
+              <a:t>Avez-vous l'habitude de jouer aux jeux-vidéo ?</a:t>
             </a:r>
           </a:p>
           <a:p>
             <a:r>
               <a:rPr lang="fr-FR" sz="1600" dirty="0"/>
-              <a:t>Êtes-vous doué aux jeux-vidéos</a:t>
+              <a:t>Êtes-vous doué aux jeux-vidéos ?</a:t>
             </a:r>
           </a:p>
           <a:p>
             <a:r>
               <a:rPr lang="fr-FR" sz="1600" dirty="0"/>
-              <a:t>Avez-vous l'habitude de jouer à des jeux de rythme spécifiquement</a:t>
+              <a:t>Avez-vous l'habitude de jouer à des jeux de rythme spécifiquement ?</a:t>
             </a:r>
           </a:p>
           <a:p>
             <a:r>
               <a:rPr lang="fr-FR" sz="1600" dirty="0"/>
-              <a:t>Êtes-vous de tendance calme dans la vie en générale</a:t>
+              <a:t>Êtes-vous de tendance calme dans la vie en générale ?</a:t>
             </a:r>
           </a:p>
           <a:p>
             <a:r>
               <a:rPr lang="fr-FR" sz="1600" dirty="0"/>
-              <a:t>Êtes-vous sportif</a:t>
+              <a:t>Êtes-vous sportif ?</a:t>
             </a:r>
           </a:p>
           <a:p>
             <a:r>
               <a:rPr lang="fr-FR" sz="1600" dirty="0"/>
-              <a:t>Êtes-vous </a:t>
-            </a:r>
-            <a:r>
-              <a:rPr lang="fr-FR" sz="1600" dirty="0" smtClean="0"/>
-              <a:t>adepte </a:t>
-            </a:r>
-            <a:r>
-              <a:rPr lang="fr-FR" sz="1600" dirty="0"/>
-              <a:t>de sensation fortes (films d'horreur, manèges, etc...)</a:t>
+              <a:t>Êtes-vous adepte de sensation fortes (films d'horreur, manèges, etc...) ?</a:t>
             </a:r>
             <a:endParaRPr lang="fr-CH" sz="1600" dirty="0"/>
           </a:p>
@@ -11430,10 +11225,9 @@
           <a:lstStyle/>
           <a:p>
             <a:r>
-              <a:rPr lang="fr-CH" sz="2800" dirty="0" smtClean="0"/>
+              <a:rPr lang="fr-CH" sz="2800" dirty="0"/>
               <a:t>Questionnaire initiale</a:t>
             </a:r>
-            <a:endParaRPr lang="fr-CH" sz="2800" dirty="0"/>
           </a:p>
         </p:txBody>
       </p:sp>
@@ -11447,13 +11241,6 @@
   <p:clrMapOvr>
     <a:masterClrMapping/>
   </p:clrMapOvr>
-  <p:timing>
-    <p:tnLst>
-      <p:par>
-        <p:cTn id="1" dur="indefinite" restart="never" nodeType="tmRoot"/>
-      </p:par>
-    </p:tnLst>
-  </p:timing>
 </p:sld>
 </file>
 
@@ -11519,12 +11306,8 @@
           <a:lstStyle/>
           <a:p>
             <a:r>
-              <a:rPr lang="fr-FR" sz="1600" dirty="0" err="1"/>
-              <a:t>Expliquation</a:t>
-            </a:r>
-            <a:r>
               <a:rPr lang="fr-FR" sz="1600" dirty="0"/>
-              <a:t> des règles</a:t>
+              <a:t>Explication des règles</a:t>
             </a:r>
           </a:p>
           <a:p>
@@ -11582,10 +11365,9 @@
           <a:lstStyle/>
           <a:p>
             <a:r>
-              <a:rPr lang="fr-CH" sz="2800" dirty="0" smtClean="0"/>
+              <a:rPr lang="fr-CH" sz="2800" dirty="0"/>
               <a:t>Phase d’introduction</a:t>
             </a:r>
-            <a:endParaRPr lang="fr-CH" sz="2800" dirty="0"/>
           </a:p>
         </p:txBody>
       </p:sp>
@@ -11599,13 +11381,6 @@
   <p:clrMapOvr>
     <a:masterClrMapping/>
   </p:clrMapOvr>
-  <p:timing>
-    <p:tnLst>
-      <p:par>
-        <p:cTn id="1" dur="indefinite" restart="never" nodeType="tmRoot"/>
-      </p:par>
-    </p:tnLst>
-  </p:timing>
 </p:sld>
 </file>
 
@@ -11677,13 +11452,8 @@
             </a:pPr>
             <a:r>
               <a:rPr lang="fr-FR" sz="1400" dirty="0"/>
-              <a:t>Tâche:		Jouer une partie facile avec </a:t>
-            </a:r>
-            <a:r>
-              <a:rPr lang="fr-FR" sz="1400" dirty="0" smtClean="0"/>
-              <a:t>hexagones</a:t>
-            </a:r>
-            <a:endParaRPr lang="fr-FR" sz="1400" dirty="0"/>
+              <a:t>Tâche:		Jouer une partie facile avec hexagones</a:t>
+            </a:r>
           </a:p>
           <a:p>
             <a:pPr>
@@ -11704,15 +11474,7 @@
             </a:pPr>
             <a:r>
               <a:rPr lang="fr-FR" sz="1400" dirty="0"/>
-              <a:t>Critère succès:	Plus de 5 cibles ont été touchées </a:t>
-            </a:r>
-            <a:r>
-              <a:rPr lang="fr-FR" sz="1400" dirty="0" smtClean="0"/>
-              <a:t>avant de mourir et </a:t>
-            </a:r>
-            <a:r>
-              <a:rPr lang="fr-FR" sz="1400" dirty="0"/>
-              <a:t>la partie est terminée</a:t>
+              <a:t>Critère succès:	Plus de 5 cibles ont été touchées avant de mourir et la partie est terminée</a:t>
             </a:r>
           </a:p>
           <a:p>
@@ -11774,10 +11536,9 @@
           <a:lstStyle/>
           <a:p>
             <a:r>
-              <a:rPr lang="fr-CH" sz="2800" dirty="0" smtClean="0"/>
+              <a:rPr lang="fr-CH" sz="2800" dirty="0"/>
               <a:t>Tâches</a:t>
             </a:r>
-            <a:endParaRPr lang="fr-CH" sz="2800" dirty="0"/>
           </a:p>
         </p:txBody>
       </p:sp>
@@ -11973,7 +11734,7 @@
               </a:spcBef>
             </a:pPr>
             <a:r>
-              <a:rPr lang="fr-FR" sz="1400" dirty="0" smtClean="0"/>
+              <a:rPr lang="fr-FR" sz="1400" dirty="0"/>
               <a:t>Tâche:		Jouer une partie normal avec hexagones</a:t>
             </a:r>
           </a:p>
@@ -12171,7 +11932,7 @@
               </a:spcBef>
             </a:pPr>
             <a:r>
-              <a:rPr lang="fr-FR" sz="1400" dirty="0" smtClean="0"/>
+              <a:rPr lang="fr-FR" sz="1400" dirty="0"/>
               <a:t>Tâche:		Jouer une partie difficile avec hexagones</a:t>
             </a:r>
           </a:p>
@@ -12369,14 +12130,9 @@
               </a:spcBef>
             </a:pPr>
             <a:r>
-              <a:rPr lang="fr-FR" sz="1400" dirty="0" smtClean="0"/>
-              <a:t>Tâche:	</a:t>
-            </a:r>
-            <a:r>
               <a:rPr lang="fr-FR" sz="1400" dirty="0"/>
-              <a:t>	Jouer une partie à choix sans hexagones</a:t>
-            </a:r>
-            <a:endParaRPr lang="fr-FR" sz="1400" dirty="0" smtClean="0"/>
+              <a:t>Tâche:		Jouer une partie à choix sans hexagones</a:t>
+            </a:r>
           </a:p>
         </p:txBody>
       </p:sp>
@@ -12573,15 +12329,7 @@
             </a:pPr>
             <a:r>
               <a:rPr lang="fr-FR" sz="1400" dirty="0"/>
-              <a:t>Tâche:		Jouer 3 parties avec niveaux de </a:t>
-            </a:r>
-            <a:r>
-              <a:rPr lang="fr-FR" sz="1400" dirty="0" smtClean="0"/>
-              <a:t>difficulté </a:t>
-            </a:r>
-            <a:r>
-              <a:rPr lang="fr-FR" sz="1400" dirty="0"/>
-              <a:t>à choix avec ou sans hexagones</a:t>
+              <a:t>Tâche:		Jouer 3 parties avec niveaux de difficulté à choix avec ou sans hexagones</a:t>
             </a:r>
           </a:p>
           <a:p>
@@ -12603,15 +12351,7 @@
             </a:pPr>
             <a:r>
               <a:rPr lang="fr-FR" sz="1400" dirty="0"/>
-              <a:t>Critère succès:	Plus de 5 cibles ont été touchées avant de mourir dans chaque partie et les deux </a:t>
-            </a:r>
-            <a:r>
-              <a:rPr lang="fr-FR" sz="1400" dirty="0" err="1"/>
-              <a:t>partise</a:t>
-            </a:r>
-            <a:r>
-              <a:rPr lang="fr-FR" sz="1400" dirty="0"/>
-              <a:t> sont terminées</a:t>
+              <a:t>Critère succès:	Plus de 5 cibles ont été touchées avant de mourir dans chaque partie et les deux parties sont terminées</a:t>
             </a:r>
           </a:p>
           <a:p>
@@ -12624,7 +12364,6 @@
               <a:rPr lang="fr-FR" sz="1400" dirty="0"/>
               <a:t>Benchmark:	Parties terminées</a:t>
             </a:r>
-            <a:endParaRPr lang="fr-FR" sz="1400" dirty="0" smtClean="0"/>
           </a:p>
         </p:txBody>
       </p:sp>
@@ -12638,13 +12377,6 @@
   <p:clrMapOvr>
     <a:masterClrMapping/>
   </p:clrMapOvr>
-  <p:timing>
-    <p:tnLst>
-      <p:par>
-        <p:cTn id="1" dur="indefinite" restart="never" nodeType="tmRoot"/>
-      </p:par>
-    </p:tnLst>
-  </p:timing>
 </p:sld>
 </file>
 
